--- a/Web Design &UI/1. HTML Basics/Presentations/Web-Technologies-Basics.pptx
+++ b/Web Design &UI/1. HTML Basics/Presentations/Web-Technologies-Basics.pptx
@@ -5,7 +5,7 @@
     <p:sldMasterId id="2147483660" r:id="rId1"/>
   </p:sldMasterIdLst>
   <p:notesMasterIdLst>
-    <p:notesMasterId r:id="rId33"/>
+    <p:notesMasterId r:id="rId34"/>
   </p:notesMasterIdLst>
   <p:sldIdLst>
     <p:sldId id="257" r:id="rId2"/>
@@ -18,7 +18,7 @@
     <p:sldId id="275" r:id="rId9"/>
     <p:sldId id="276" r:id="rId10"/>
     <p:sldId id="277" r:id="rId11"/>
-    <p:sldId id="278" r:id="rId12"/>
+    <p:sldId id="301" r:id="rId12"/>
     <p:sldId id="279" r:id="rId13"/>
     <p:sldId id="280" r:id="rId14"/>
     <p:sldId id="281" r:id="rId15"/>
@@ -39,6 +39,7 @@
     <p:sldId id="296" r:id="rId30"/>
     <p:sldId id="297" r:id="rId31"/>
     <p:sldId id="298" r:id="rId32"/>
+    <p:sldId id="300" r:id="rId33"/>
   </p:sldIdLst>
   <p:sldSz cx="9144000" cy="6858000" type="screen4x3"/>
   <p:notesSz cx="6858000" cy="9144000"/>
@@ -227,7 +228,7 @@
           <a:p>
             <a:fld id="{BCB0E627-A1EB-49FC-8AAA-93096097E1D4}" type="datetimeFigureOut">
               <a:rPr lang="en-US" smtClean="0"/>
-              <a:t>12-Mar-14</a:t>
+              <a:t>4/14/2015</a:t>
             </a:fld>
             <a:endParaRPr lang="en-US"/>
           </a:p>
@@ -539,7 +540,7 @@
           <a:bodyPr/>
           <a:lstStyle/>
           <a:p>
-            <a:endParaRPr lang="bg-BG" dirty="0"/>
+            <a:endParaRPr lang="en-US"/>
           </a:p>
         </p:txBody>
       </p:sp>
@@ -558,19 +559,18 @@
           <a:bodyPr/>
           <a:lstStyle/>
           <a:p>
-            <a:fld id="{6FB4F6EA-423E-42DF-9292-215E7D886C4E}" type="slidenum">
+            <a:fld id="{E8B754C3-D5C7-400A-A6FE-0D3C40B9DAF2}" type="slidenum">
               <a:rPr lang="en-US" smtClean="0"/>
-              <a:pPr/>
-              <a:t>11</a:t>
+              <a:t>12</a:t>
             </a:fld>
-            <a:endParaRPr lang="en-US" dirty="0"/>
+            <a:endParaRPr lang="en-US"/>
           </a:p>
         </p:txBody>
       </p:sp>
     </p:spTree>
     <p:extLst>
       <p:ext uri="{BB962C8B-B14F-4D97-AF65-F5344CB8AC3E}">
-        <p14:creationId xmlns:p14="http://schemas.microsoft.com/office/powerpoint/2010/main" val="1535859062"/>
+        <p14:creationId xmlns:p14="http://schemas.microsoft.com/office/powerpoint/2010/main" val="2575970511"/>
       </p:ext>
     </p:extLst>
   </p:cSld>
@@ -642,7 +642,7 @@
             <a:fld id="{ECFCADE9-A681-4A2D-ADF3-89A90627284E}" type="datetime1">
               <a:rPr lang="en-US"/>
               <a:pPr/>
-              <a:t>12-Mar-14</a:t>
+              <a:t>4/14/2015</a:t>
             </a:fld>
             <a:r>
               <a:rPr lang="en-US"/>
@@ -790,7 +790,7 @@
             <a:fld id="{2B4927D0-65A8-4373-AAAE-444F16813071}" type="datetime1">
               <a:rPr lang="en-US"/>
               <a:pPr/>
-              <a:t>12-Mar-14</a:t>
+              <a:t>4/14/2015</a:t>
             </a:fld>
             <a:endParaRPr lang="en-US" dirty="0"/>
           </a:p>
@@ -954,7 +954,7 @@
             <a:fld id="{ECFCADE9-A681-4A2D-ADF3-89A90627284E}" type="datetime1">
               <a:rPr lang="en-US"/>
               <a:pPr/>
-              <a:t>12-Mar-14</a:t>
+              <a:t>4/14/2015</a:t>
             </a:fld>
             <a:r>
               <a:rPr lang="en-US"/>
@@ -1056,6 +1056,91 @@
     <p:extLst>
       <p:ext uri="{BB962C8B-B14F-4D97-AF65-F5344CB8AC3E}">
         <p14:creationId xmlns:p14="http://schemas.microsoft.com/office/powerpoint/2010/main" val="4029646127"/>
+      </p:ext>
+    </p:extLst>
+  </p:cSld>
+  <p:clrMapOvr>
+    <a:masterClrMapping/>
+  </p:clrMapOvr>
+</p:notes>
+</file>
+
+<file path=ppt/notesSlides/notesSlide5.xml><?xml version="1.0" encoding="utf-8"?>
+<p:notes xmlns:a="http://schemas.openxmlformats.org/drawingml/2006/main" xmlns:r="http://schemas.openxmlformats.org/officeDocument/2006/relationships" xmlns:p="http://schemas.openxmlformats.org/presentationml/2006/main">
+  <p:cSld>
+    <p:spTree>
+      <p:nvGrpSpPr>
+        <p:cNvPr id="1" name=""/>
+        <p:cNvGrpSpPr/>
+        <p:nvPr/>
+      </p:nvGrpSpPr>
+      <p:grpSpPr>
+        <a:xfrm>
+          <a:off x="0" y="0"/>
+          <a:ext cx="0" cy="0"/>
+          <a:chOff x="0" y="0"/>
+          <a:chExt cx="0" cy="0"/>
+        </a:xfrm>
+      </p:grpSpPr>
+      <p:sp>
+        <p:nvSpPr>
+          <p:cNvPr id="2" name="Slide Image Placeholder 1"/>
+          <p:cNvSpPr>
+            <a:spLocks noGrp="1" noRot="1" noChangeAspect="1"/>
+          </p:cNvSpPr>
+          <p:nvPr>
+            <p:ph type="sldImg"/>
+          </p:nvPr>
+        </p:nvSpPr>
+        <p:spPr/>
+      </p:sp>
+      <p:sp>
+        <p:nvSpPr>
+          <p:cNvPr id="3" name="Notes Placeholder 2"/>
+          <p:cNvSpPr>
+            <a:spLocks noGrp="1"/>
+          </p:cNvSpPr>
+          <p:nvPr>
+            <p:ph type="body" idx="1"/>
+          </p:nvPr>
+        </p:nvSpPr>
+        <p:spPr/>
+        <p:txBody>
+          <a:bodyPr/>
+          <a:lstStyle/>
+          <a:p>
+            <a:endParaRPr lang="en-US"/>
+          </a:p>
+        </p:txBody>
+      </p:sp>
+      <p:sp>
+        <p:nvSpPr>
+          <p:cNvPr id="4" name="Slide Number Placeholder 3"/>
+          <p:cNvSpPr>
+            <a:spLocks noGrp="1"/>
+          </p:cNvSpPr>
+          <p:nvPr>
+            <p:ph type="sldNum" sz="quarter" idx="10"/>
+          </p:nvPr>
+        </p:nvSpPr>
+        <p:spPr/>
+        <p:txBody>
+          <a:bodyPr/>
+          <a:lstStyle/>
+          <a:p>
+            <a:fld id="{6FB4F6EA-423E-42DF-9292-215E7D886C4E}" type="slidenum">
+              <a:rPr lang="en-US" smtClean="0"/>
+              <a:pPr/>
+              <a:t>32</a:t>
+            </a:fld>
+            <a:endParaRPr lang="en-US" dirty="0"/>
+          </a:p>
+        </p:txBody>
+      </p:sp>
+    </p:spTree>
+    <p:extLst>
+      <p:ext uri="{BB962C8B-B14F-4D97-AF65-F5344CB8AC3E}">
+        <p14:creationId xmlns:p14="http://schemas.microsoft.com/office/powerpoint/2010/main" val="305002693"/>
       </p:ext>
     </p:extLst>
   </p:cSld>
@@ -5513,438 +5598,6 @@
 </p:sldLayout>
 </file>
 
-<file path=ppt/slideLayouts/slideLayout7.xml><?xml version="1.0" encoding="utf-8"?>
-<p:sldLayout xmlns:a="http://schemas.openxmlformats.org/drawingml/2006/main" xmlns:r="http://schemas.openxmlformats.org/officeDocument/2006/relationships" xmlns:p="http://schemas.openxmlformats.org/presentationml/2006/main">
-  <p:cSld name="Source Code Example">
-    <p:spTree>
-      <p:nvGrpSpPr>
-        <p:cNvPr id="1" name=""/>
-        <p:cNvGrpSpPr/>
-        <p:nvPr/>
-      </p:nvGrpSpPr>
-      <p:grpSpPr>
-        <a:xfrm>
-          <a:off x="0" y="0"/>
-          <a:ext cx="0" cy="0"/>
-          <a:chOff x="0" y="0"/>
-          <a:chExt cx="0" cy="0"/>
-        </a:xfrm>
-      </p:grpSpPr>
-      <p:sp>
-        <p:nvSpPr>
-          <p:cNvPr id="3" name="Title 1"/>
-          <p:cNvSpPr>
-            <a:spLocks noGrp="1"/>
-          </p:cNvSpPr>
-          <p:nvPr>
-            <p:ph type="title" hasCustomPrompt="1"/>
-          </p:nvPr>
-        </p:nvSpPr>
-        <p:spPr>
-          <a:xfrm>
-            <a:off x="1828800" y="76200"/>
-            <a:ext cx="7086600" cy="914400"/>
-          </a:xfrm>
-          <a:prstGeom prst="rect">
-            <a:avLst/>
-          </a:prstGeom>
-        </p:spPr>
-        <p:txBody>
-          <a:bodyPr anchor="ctr" anchorCtr="0">
-            <a:noAutofit/>
-          </a:bodyPr>
-          <a:lstStyle>
-            <a:lvl1pPr>
-              <a:lnSpc>
-                <a:spcPts val="4000"/>
-              </a:lnSpc>
-              <a:defRPr sz="4000">
-                <a:effectLst>
-                  <a:outerShdw blurRad="38100" dist="38100" dir="2700000" algn="tl">
-                    <a:srgbClr val="000000">
-                      <a:alpha val="43137"/>
-                    </a:srgbClr>
-                  </a:outerShdw>
-                  <a:reflection blurRad="12700" stA="20000" endPos="50000" dist="12700" dir="5400000" sy="-100000" algn="bl" rotWithShape="0"/>
-                </a:effectLst>
-              </a:defRPr>
-            </a:lvl1pPr>
-          </a:lstStyle>
-          <a:p>
-            <a:r>
-              <a:rPr lang="en-US" dirty="0" smtClean="0"/>
-              <a:t>Slide Title</a:t>
-            </a:r>
-            <a:endParaRPr lang="en-US" dirty="0"/>
-          </a:p>
-        </p:txBody>
-      </p:sp>
-      <p:sp>
-        <p:nvSpPr>
-          <p:cNvPr id="4" name="Content Placeholder 2"/>
-          <p:cNvSpPr>
-            <a:spLocks noGrp="1"/>
-          </p:cNvSpPr>
-          <p:nvPr>
-            <p:ph idx="1" hasCustomPrompt="1"/>
-          </p:nvPr>
-        </p:nvSpPr>
-        <p:spPr>
-          <a:xfrm>
-            <a:off x="228600" y="1066800"/>
-            <a:ext cx="8686800" cy="579646"/>
-          </a:xfrm>
-          <a:prstGeom prst="rect">
-            <a:avLst/>
-          </a:prstGeom>
-        </p:spPr>
-        <p:txBody>
-          <a:bodyPr>
-            <a:spAutoFit/>
-          </a:bodyPr>
-          <a:lstStyle>
-            <a:lvl1pPr marL="319088" marR="0" indent="-319088" algn="l" defTabSz="914400" rtl="0" eaLnBrk="0" fontAlgn="base" latinLnBrk="0" hangingPunct="0">
-              <a:lnSpc>
-                <a:spcPct val="100000"/>
-              </a:lnSpc>
-              <a:spcBef>
-                <a:spcPct val="20000"/>
-              </a:spcBef>
-              <a:spcAft>
-                <a:spcPct val="0"/>
-              </a:spcAft>
-              <a:buClr>
-                <a:srgbClr val="46A6BD">
-                  <a:lumMod val="40000"/>
-                  <a:lumOff val="60000"/>
-                </a:srgbClr>
-              </a:buClr>
-              <a:buSzPct val="70000"/>
-              <a:buFont typeface="Wingdings 2" pitchFamily="18" charset="2"/>
-              <a:buChar char=""/>
-              <a:tabLst/>
-              <a:defRPr sz="3000" baseline="0">
-                <a:solidFill>
-                  <a:schemeClr val="tx1">
-                    <a:lumMod val="40000"/>
-                    <a:lumOff val="60000"/>
-                  </a:schemeClr>
-                </a:solidFill>
-              </a:defRPr>
-            </a:lvl1pPr>
-            <a:lvl2pPr>
-              <a:lnSpc>
-                <a:spcPts val="3800"/>
-              </a:lnSpc>
-              <a:spcBef>
-                <a:spcPts val="600"/>
-              </a:spcBef>
-              <a:spcAft>
-                <a:spcPts val="600"/>
-              </a:spcAft>
-              <a:buClr>
-                <a:srgbClr val="8FD600"/>
-              </a:buClr>
-              <a:defRPr sz="3000">
-                <a:solidFill>
-                  <a:schemeClr val="tx1">
-                    <a:lumMod val="40000"/>
-                    <a:lumOff val="60000"/>
-                  </a:schemeClr>
-                </a:solidFill>
-              </a:defRPr>
-            </a:lvl2pPr>
-            <a:lvl3pPr>
-              <a:lnSpc>
-                <a:spcPts val="3800"/>
-              </a:lnSpc>
-              <a:spcBef>
-                <a:spcPts val="600"/>
-              </a:spcBef>
-              <a:spcAft>
-                <a:spcPts val="600"/>
-              </a:spcAft>
-              <a:buClr>
-                <a:srgbClr val="FFAD9F"/>
-              </a:buClr>
-              <a:defRPr sz="2800">
-                <a:solidFill>
-                  <a:schemeClr val="tx1">
-                    <a:lumMod val="40000"/>
-                    <a:lumOff val="60000"/>
-                  </a:schemeClr>
-                </a:solidFill>
-              </a:defRPr>
-            </a:lvl3pPr>
-            <a:lvl4pPr>
-              <a:lnSpc>
-                <a:spcPts val="3800"/>
-              </a:lnSpc>
-              <a:spcBef>
-                <a:spcPts val="600"/>
-              </a:spcBef>
-              <a:spcAft>
-                <a:spcPts val="600"/>
-              </a:spcAft>
-              <a:buClr>
-                <a:srgbClr val="FACF82"/>
-              </a:buClr>
-              <a:defRPr sz="2600">
-                <a:solidFill>
-                  <a:schemeClr val="tx1">
-                    <a:lumMod val="40000"/>
-                    <a:lumOff val="60000"/>
-                  </a:schemeClr>
-                </a:solidFill>
-              </a:defRPr>
-            </a:lvl4pPr>
-            <a:lvl5pPr>
-              <a:lnSpc>
-                <a:spcPts val="3800"/>
-              </a:lnSpc>
-              <a:spcBef>
-                <a:spcPts val="600"/>
-              </a:spcBef>
-              <a:spcAft>
-                <a:spcPts val="600"/>
-              </a:spcAft>
-              <a:defRPr sz="2400">
-                <a:solidFill>
-                  <a:schemeClr val="tx1">
-                    <a:lumMod val="40000"/>
-                    <a:lumOff val="60000"/>
-                  </a:schemeClr>
-                </a:solidFill>
-              </a:defRPr>
-            </a:lvl5pPr>
-          </a:lstStyle>
-          <a:p>
-            <a:pPr marL="319088" marR="0" lvl="0" indent="-319088" algn="l" defTabSz="914400" rtl="0" eaLnBrk="0" fontAlgn="base" latinLnBrk="0" hangingPunct="0">
-              <a:lnSpc>
-                <a:spcPct val="100000"/>
-              </a:lnSpc>
-              <a:spcBef>
-                <a:spcPct val="20000"/>
-              </a:spcBef>
-              <a:spcAft>
-                <a:spcPct val="0"/>
-              </a:spcAft>
-              <a:buClr>
-                <a:srgbClr val="46A6BD">
-                  <a:lumMod val="40000"/>
-                  <a:lumOff val="60000"/>
-                </a:srgbClr>
-              </a:buClr>
-              <a:buSzPct val="70000"/>
-              <a:buFont typeface="Wingdings 2" pitchFamily="18" charset="2"/>
-              <a:buChar char=""/>
-              <a:tabLst/>
-              <a:defRPr/>
-            </a:pPr>
-            <a:r>
-              <a:rPr kumimoji="0" lang="en-US" sz="3200" b="1" i="0" u="none" strike="noStrike" kern="1200" cap="none" spc="0" normalizeH="0" baseline="0" noProof="0" dirty="0" smtClean="0">
-                <a:ln>
-                  <a:noFill/>
-                </a:ln>
-                <a:solidFill>
-                  <a:srgbClr val="CCFF66">
-                    <a:lumMod val="20000"/>
-                    <a:lumOff val="80000"/>
-                  </a:srgbClr>
-                </a:solidFill>
-                <a:effectLst>
-                  <a:outerShdw blurRad="38100" dist="38100" dir="2700000" algn="tl">
-                    <a:srgbClr val="000000">
-                      <a:alpha val="43137"/>
-                    </a:srgbClr>
-                  </a:outerShdw>
-                </a:effectLst>
-                <a:uLnTx/>
-                <a:uFillTx/>
-                <a:latin typeface="+mn-lt"/>
-                <a:ea typeface="+mn-ea"/>
-                <a:cs typeface="+mn-cs"/>
-              </a:rPr>
-              <a:t>First Level</a:t>
-            </a:r>
-          </a:p>
-        </p:txBody>
-      </p:sp>
-      <p:sp>
-        <p:nvSpPr>
-          <p:cNvPr id="6" name="Text Placeholder 5"/>
-          <p:cNvSpPr>
-            <a:spLocks noGrp="1"/>
-          </p:cNvSpPr>
-          <p:nvPr>
-            <p:ph type="body" sz="quarter" idx="10" hasCustomPrompt="1"/>
-          </p:nvPr>
-        </p:nvSpPr>
-        <p:spPr>
-          <a:xfrm>
-            <a:off x="457200" y="1828800"/>
-            <a:ext cx="8153400" cy="4708981"/>
-          </a:xfrm>
-          <a:prstGeom prst="rect">
-            <a:avLst/>
-          </a:prstGeom>
-          <a:solidFill>
-            <a:schemeClr val="accent5">
-              <a:lumMod val="40000"/>
-              <a:lumOff val="60000"/>
-              <a:alpha val="15000"/>
-            </a:schemeClr>
-          </a:solidFill>
-          <a:ln w="12700">
-            <a:solidFill>
-              <a:schemeClr val="accent5">
-                <a:lumMod val="60000"/>
-                <a:lumOff val="40000"/>
-              </a:schemeClr>
-            </a:solidFill>
-          </a:ln>
-        </p:spPr>
-        <p:txBody>
-          <a:bodyPr wrap="square">
-            <a:spAutoFit/>
-          </a:bodyPr>
-          <a:lstStyle>
-            <a:lvl1pPr marL="0" indent="0" algn="l">
-              <a:spcBef>
-                <a:spcPts val="0"/>
-              </a:spcBef>
-              <a:buNone/>
-              <a:defRPr lang="en-US" sz="2000" smtClean="0">
-                <a:solidFill>
-                  <a:srgbClr val="8CF4F2"/>
-                </a:solidFill>
-                <a:latin typeface="Consolas" pitchFamily="49" charset="0"/>
-                <a:cs typeface="Consolas" pitchFamily="49" charset="0"/>
-              </a:defRPr>
-            </a:lvl1pPr>
-          </a:lstStyle>
-          <a:p>
-            <a:pPr lvl="0"/>
-            <a:r>
-              <a:rPr lang="en-US" noProof="1" smtClean="0"/>
-              <a:t>Source code box</a:t>
-            </a:r>
-          </a:p>
-          <a:p>
-            <a:pPr lvl="0"/>
-            <a:endParaRPr lang="en-US" noProof="1" smtClean="0"/>
-          </a:p>
-          <a:p>
-            <a:pPr lvl="0"/>
-            <a:endParaRPr lang="en-US" noProof="1" smtClean="0"/>
-          </a:p>
-          <a:p>
-            <a:pPr lvl="0"/>
-            <a:endParaRPr lang="en-US" noProof="1" smtClean="0"/>
-          </a:p>
-          <a:p>
-            <a:pPr lvl="0"/>
-            <a:endParaRPr lang="en-US" noProof="1" smtClean="0"/>
-          </a:p>
-          <a:p>
-            <a:pPr lvl="0"/>
-            <a:endParaRPr lang="en-US" noProof="1" smtClean="0"/>
-          </a:p>
-          <a:p>
-            <a:pPr lvl="0"/>
-            <a:endParaRPr lang="en-US" noProof="1" smtClean="0"/>
-          </a:p>
-          <a:p>
-            <a:pPr lvl="0"/>
-            <a:endParaRPr lang="en-US" noProof="1" smtClean="0"/>
-          </a:p>
-          <a:p>
-            <a:pPr lvl="0"/>
-            <a:endParaRPr lang="en-US" noProof="1" smtClean="0"/>
-          </a:p>
-          <a:p>
-            <a:pPr lvl="0"/>
-            <a:endParaRPr lang="en-US" noProof="1" smtClean="0"/>
-          </a:p>
-          <a:p>
-            <a:pPr lvl="0"/>
-            <a:endParaRPr lang="en-US" noProof="1" smtClean="0"/>
-          </a:p>
-          <a:p>
-            <a:pPr lvl="0"/>
-            <a:endParaRPr lang="en-US" noProof="1" smtClean="0"/>
-          </a:p>
-          <a:p>
-            <a:pPr lvl="0"/>
-            <a:endParaRPr lang="en-US" noProof="1" smtClean="0"/>
-          </a:p>
-          <a:p>
-            <a:pPr lvl="0"/>
-            <a:endParaRPr lang="en-US" noProof="1" smtClean="0"/>
-          </a:p>
-          <a:p>
-            <a:pPr lvl="0"/>
-            <a:endParaRPr lang="en-US" noProof="1" smtClean="0"/>
-          </a:p>
-        </p:txBody>
-      </p:sp>
-      <p:sp>
-        <p:nvSpPr>
-          <p:cNvPr id="8" name="Slide Number Placeholder 7"/>
-          <p:cNvSpPr>
-            <a:spLocks noGrp="1"/>
-          </p:cNvSpPr>
-          <p:nvPr>
-            <p:ph type="sldNum" sz="quarter" idx="11"/>
-          </p:nvPr>
-        </p:nvSpPr>
-        <p:spPr>
-          <a:xfrm>
-            <a:off x="8610600" y="6553200"/>
-            <a:ext cx="457200" cy="228600"/>
-          </a:xfrm>
-          <a:prstGeom prst="rect">
-            <a:avLst/>
-          </a:prstGeom>
-        </p:spPr>
-        <p:txBody>
-          <a:bodyPr/>
-          <a:lstStyle/>
-          <a:p>
-            <a:pPr>
-              <a:defRPr/>
-            </a:pPr>
-            <a:fld id="{58452FF4-89E3-4D1B-9927-2DBDC00E58D7}" type="slidenum">
-              <a:rPr lang="en-US" smtClean="0"/>
-              <a:pPr>
-                <a:defRPr/>
-              </a:pPr>
-              <a:t>‹#›</a:t>
-            </a:fld>
-            <a:endParaRPr lang="en-US" dirty="0"/>
-          </a:p>
-        </p:txBody>
-      </p:sp>
-    </p:spTree>
-    <p:extLst>
-      <p:ext uri="{BB962C8B-B14F-4D97-AF65-F5344CB8AC3E}">
-        <p14:creationId xmlns:p14="http://schemas.microsoft.com/office/powerpoint/2010/main" val="3754383250"/>
-      </p:ext>
-    </p:extLst>
-  </p:cSld>
-  <p:clrMapOvr>
-    <a:masterClrMapping/>
-  </p:clrMapOvr>
-  <p:timing>
-    <p:tnLst>
-      <p:par>
-        <p:cTn id="1" dur="indefinite" restart="never" nodeType="tmRoot"/>
-      </p:par>
-    </p:tnLst>
-  </p:timing>
-</p:sldLayout>
-</file>
-
 <file path=ppt/slideMasters/slideMaster1.xml><?xml version="1.0" encoding="utf-8"?>
 <p:sldMaster xmlns:a="http://schemas.openxmlformats.org/drawingml/2006/main" xmlns:r="http://schemas.openxmlformats.org/officeDocument/2006/relationships" xmlns:p="http://schemas.openxmlformats.org/presentationml/2006/main">
   <p:cSld>
@@ -5979,7 +5632,7 @@
           <p:nvPr/>
         </p:nvPicPr>
         <p:blipFill>
-          <a:blip r:embed="rId9">
+          <a:blip r:embed="rId8">
             <a:extLst>
               <a:ext uri="{28A0092B-C50C-407E-A947-70E740481C1C}">
                 <a14:useLocalDpi xmlns:a14="http://schemas.microsoft.com/office/drawing/2010/main" val="0"/>
@@ -6020,7 +5673,7 @@
           <p:nvPr/>
         </p:nvPicPr>
         <p:blipFill>
-          <a:blip r:embed="rId10" cstate="email">
+          <a:blip r:embed="rId9" cstate="email">
             <a:extLst>
               <a:ext uri="{28A0092B-C50C-407E-A947-70E740481C1C}">
                 <a14:useLocalDpi xmlns:a14="http://schemas.microsoft.com/office/drawing/2010/main" val="0"/>
@@ -6084,7 +5737,7 @@
           <p:nvPr/>
         </p:nvPicPr>
         <p:blipFill>
-          <a:blip r:embed="rId11" cstate="email">
+          <a:blip r:embed="rId10" cstate="email">
             <a:extLst>
               <a:ext uri="{28A0092B-C50C-407E-A947-70E740481C1C}">
                 <a14:useLocalDpi xmlns:a14="http://schemas.microsoft.com/office/drawing/2010/main" val="0"/>
@@ -6148,11 +5801,11 @@
           <p:nvPr/>
         </p:nvPicPr>
         <p:blipFill>
-          <a:blip r:embed="rId12">
+          <a:blip r:embed="rId11">
             <a:extLst>
               <a:ext uri="{BEBA8EAE-BF5A-486C-A8C5-ECC9F3942E4B}">
                 <a14:imgProps xmlns:a14="http://schemas.microsoft.com/office/drawing/2010/main">
-                  <a14:imgLayer r:embed="rId13">
+                  <a14:imgLayer r:embed="rId12">
                     <a14:imgEffect>
                       <a14:brightnessContrast bright="20000"/>
                     </a14:imgEffect>
@@ -6212,7 +5865,6 @@
     <p:sldLayoutId id="2147483664" r:id="rId4"/>
     <p:sldLayoutId id="2147483665" r:id="rId5"/>
     <p:sldLayoutId id="2147483666" r:id="rId6"/>
-    <p:sldLayoutId id="2147483667" r:id="rId7"/>
   </p:sldLayoutIdLst>
   <p:timing>
     <p:tnLst>
@@ -6221,6 +5873,7 @@
       </p:par>
     </p:tnLst>
   </p:timing>
+  <p:hf hdr="0" ftr="0" dt="0"/>
   <p:txStyles>
     <p:titleStyle>
       <a:lvl1pPr algn="r" rtl="0" eaLnBrk="1" fontAlgn="base" hangingPunct="1">
@@ -6977,7 +6630,7 @@
         </p:nvSpPr>
         <p:spPr>
           <a:xfrm>
-            <a:off x="219536" y="5556243"/>
+            <a:off x="429086" y="5726668"/>
             <a:ext cx="3990513" cy="400110"/>
           </a:xfrm>
           <a:prstGeom prst="rect">
@@ -7229,10 +6882,9 @@
           </a:lstStyle>
           <a:p>
             <a:r>
-              <a:rPr lang="en-US" dirty="0" smtClean="0"/>
-              <a:t>Learning &amp; Development Team</a:t>
-            </a:r>
-            <a:endParaRPr lang="en-US" dirty="0"/>
+              <a:rPr lang="en-US" dirty="0"/>
+              <a:t>Telerik Software Academy</a:t>
+            </a:r>
           </a:p>
         </p:txBody>
       </p:sp>
@@ -7246,7 +6898,7 @@
         </p:nvSpPr>
         <p:spPr>
           <a:xfrm>
-            <a:off x="219537" y="5861043"/>
+            <a:off x="429087" y="6031468"/>
             <a:ext cx="3990513" cy="369332"/>
           </a:xfrm>
           <a:prstGeom prst="rect">
@@ -7521,8 +7173,8 @@
         </p:nvSpPr>
         <p:spPr>
           <a:xfrm>
-            <a:off x="219537" y="5181600"/>
-            <a:ext cx="3990513" cy="461665"/>
+            <a:off x="429087" y="5352025"/>
+            <a:ext cx="4371513" cy="461665"/>
           </a:xfrm>
           <a:prstGeom prst="rect">
             <a:avLst/>
@@ -7773,7 +7425,7 @@
           <a:p>
             <a:r>
               <a:rPr lang="en-US" dirty="0" smtClean="0"/>
-              <a:t>Telerik Software Academy</a:t>
+              <a:t>HTML5</a:t>
             </a:r>
             <a:endParaRPr lang="en-US" dirty="0"/>
           </a:p>
@@ -7863,8 +7515,8 @@
         </p:nvSpPr>
         <p:spPr>
           <a:xfrm>
-            <a:off x="228600" y="1064574"/>
-            <a:ext cx="8686800" cy="5410200"/>
+            <a:off x="202722" y="754034"/>
+            <a:ext cx="8686800" cy="6027766"/>
           </a:xfrm>
         </p:spPr>
         <p:txBody>
@@ -7951,11 +7603,7 @@
             </a:r>
             <a:r>
               <a:rPr lang="en-US" sz="2800" dirty="0" smtClean="0"/>
-              <a:t>, etc</a:t>
-            </a:r>
-            <a:r>
-              <a:rPr lang="en-US" sz="2800" dirty="0" smtClean="0"/>
-              <a:t>.</a:t>
+              <a:t>, etc.</a:t>
             </a:r>
           </a:p>
           <a:p>
@@ -7979,7 +7627,6 @@
               <a:rPr lang="en-US" sz="2800" dirty="0" smtClean="0"/>
               <a:t>Chrome, Opera</a:t>
             </a:r>
-            <a:endParaRPr lang="en-US" sz="2800" dirty="0" smtClean="0"/>
           </a:p>
           <a:p>
             <a:pPr>
@@ -8004,23 +7651,19 @@
             </a:pPr>
             <a:r>
               <a:rPr lang="en-US" sz="2800" dirty="0" smtClean="0"/>
-              <a:t>Old Chrome</a:t>
+              <a:t>Safari</a:t>
             </a:r>
             <a:r>
               <a:rPr lang="en-US" sz="2800" dirty="0"/>
-              <a:t>, </a:t>
+              <a:t>, iOS, </a:t>
+            </a:r>
+            <a:r>
+              <a:rPr lang="en-US" sz="2800" dirty="0" err="1"/>
+              <a:t>Maxthon</a:t>
             </a:r>
             <a:r>
               <a:rPr lang="en-US" sz="2800" dirty="0" smtClean="0"/>
-              <a:t>Safari, </a:t>
-            </a:r>
-            <a:r>
-              <a:rPr lang="en-US" sz="2800" dirty="0" err="1" smtClean="0"/>
-              <a:t>Maxthon</a:t>
-            </a:r>
-            <a:r>
-              <a:rPr lang="en-US" sz="2800" dirty="0" smtClean="0"/>
-              <a:t>, etc.</a:t>
+              <a:t>, Chrome (up to v27), etc.</a:t>
             </a:r>
           </a:p>
           <a:p>
@@ -8030,9 +7673,14 @@
               </a:lnSpc>
             </a:pPr>
             <a:r>
-              <a:rPr lang="en-US" sz="3000" dirty="0" smtClean="0"/>
-              <a:t>Presto-based</a:t>
-            </a:r>
+              <a:rPr lang="en-US" sz="3000" dirty="0" err="1"/>
+              <a:t>EdgeHTML</a:t>
+            </a:r>
+            <a:r>
+              <a:rPr lang="en-US" sz="3000" dirty="0"/>
+              <a:t> (fork of Trident)</a:t>
+            </a:r>
+            <a:endParaRPr lang="en-US" sz="3000" dirty="0" smtClean="0"/>
           </a:p>
           <a:p>
             <a:pPr lvl="1">
@@ -8042,7 +7690,18 @@
             </a:pPr>
             <a:r>
               <a:rPr lang="en-US" sz="2800" dirty="0" smtClean="0"/>
-              <a:t>Old Opera</a:t>
+              <a:t>Spartan (the new IE)</a:t>
+            </a:r>
+          </a:p>
+          <a:p>
+            <a:pPr lvl="1">
+              <a:lnSpc>
+                <a:spcPct val="90000"/>
+              </a:lnSpc>
+            </a:pPr>
+            <a:r>
+              <a:rPr lang="en-US" sz="2800" dirty="0" smtClean="0"/>
+              <a:t>Windows 10 and Windows 10 (Mobile)</a:t>
             </a:r>
           </a:p>
         </p:txBody>
@@ -8099,8 +7758,8 @@
         </p:blipFill>
         <p:spPr bwMode="auto">
           <a:xfrm>
-            <a:off x="5901800" y="5515420"/>
-            <a:ext cx="1143001" cy="959354"/>
+            <a:off x="8029093" y="5198747"/>
+            <a:ext cx="651639" cy="546940"/>
           </a:xfrm>
           <a:prstGeom prst="roundRect">
             <a:avLst>
@@ -8133,16 +7792,6 @@
                 </a:solidFill>
               </a14:hiddenFill>
             </a:ext>
-            <a:ext uri="{91240B29-F687-4F45-9708-019B960494DF}">
-              <a14:hiddenLine xmlns:a14="http://schemas.microsoft.com/office/drawing/2010/main" w="9525">
-                <a:solidFill>
-                  <a:schemeClr val="tx1"/>
-                </a:solidFill>
-                <a:miter lim="800000"/>
-                <a:headEnd/>
-                <a:tailEnd/>
-              </a14:hiddenLine>
-            </a:ext>
           </a:extLst>
         </p:spPr>
       </p:pic>
@@ -8169,8 +7818,8 @@
         </p:blipFill>
         <p:spPr bwMode="auto">
           <a:xfrm>
-            <a:off x="6637538" y="3934816"/>
-            <a:ext cx="914400" cy="914400"/>
+            <a:off x="5563314" y="5409018"/>
+            <a:ext cx="551061" cy="551061"/>
           </a:xfrm>
           <a:prstGeom prst="roundRect">
             <a:avLst>
@@ -8203,16 +7852,6 @@
                 </a:solidFill>
               </a14:hiddenFill>
             </a:ext>
-            <a:ext uri="{91240B29-F687-4F45-9708-019B960494DF}">
-              <a14:hiddenLine xmlns:a14="http://schemas.microsoft.com/office/drawing/2010/main" w="9525">
-                <a:solidFill>
-                  <a:schemeClr val="tx1"/>
-                </a:solidFill>
-                <a:miter lim="800000"/>
-                <a:headEnd/>
-                <a:tailEnd/>
-              </a14:hiddenLine>
-            </a:ext>
           </a:extLst>
         </p:spPr>
       </p:pic>
@@ -8239,8 +7878,8 @@
         </p:blipFill>
         <p:spPr bwMode="auto">
           <a:xfrm>
-            <a:off x="7239000" y="2714625"/>
-            <a:ext cx="806574" cy="762000"/>
+            <a:off x="6790426" y="2070341"/>
+            <a:ext cx="630242" cy="595413"/>
           </a:xfrm>
           <a:prstGeom prst="roundRect">
             <a:avLst>
@@ -8273,16 +7912,6 @@
                 </a:solidFill>
               </a14:hiddenFill>
             </a:ext>
-            <a:ext uri="{91240B29-F687-4F45-9708-019B960494DF}">
-              <a14:hiddenLine xmlns:a14="http://schemas.microsoft.com/office/drawing/2010/main" w="9525">
-                <a:solidFill>
-                  <a:schemeClr val="tx1"/>
-                </a:solidFill>
-                <a:miter lim="800000"/>
-                <a:headEnd/>
-                <a:tailEnd/>
-              </a14:hiddenLine>
-            </a:ext>
           </a:extLst>
         </p:spPr>
       </p:pic>
@@ -8309,8 +7938,8 @@
         </p:blipFill>
         <p:spPr bwMode="auto">
           <a:xfrm>
-            <a:off x="8229600" y="1710966"/>
-            <a:ext cx="598605" cy="598605"/>
+            <a:off x="7984937" y="1483541"/>
+            <a:ext cx="695795" cy="695795"/>
           </a:xfrm>
           <a:prstGeom prst="roundRect">
             <a:avLst>
@@ -8340,6 +7969,93 @@
               <a14:hiddenFill xmlns:a14="http://schemas.microsoft.com/office/drawing/2010/main">
                 <a:solidFill>
                   <a:schemeClr val="accent1"/>
+                </a:solidFill>
+              </a14:hiddenFill>
+            </a:ext>
+          </a:extLst>
+        </p:spPr>
+      </p:pic>
+      <p:pic>
+        <p:nvPicPr>
+          <p:cNvPr id="9" name="Picture 8"/>
+          <p:cNvPicPr>
+            <a:picLocks noChangeAspect="1"/>
+          </p:cNvPicPr>
+          <p:nvPr/>
+        </p:nvPicPr>
+        <p:blipFill>
+          <a:blip r:embed="rId6"/>
+          <a:stretch>
+            <a:fillRect/>
+          </a:stretch>
+        </p:blipFill>
+        <p:spPr>
+          <a:xfrm>
+            <a:off x="6678284" y="5338136"/>
+            <a:ext cx="1003540" cy="1003540"/>
+          </a:xfrm>
+          <a:prstGeom prst="ellipse">
+            <a:avLst/>
+          </a:prstGeom>
+          <a:ln w="63500" cap="rnd">
+            <a:solidFill>
+              <a:srgbClr val="333333"/>
+            </a:solidFill>
+          </a:ln>
+          <a:effectLst>
+            <a:outerShdw blurRad="381000" dist="292100" dir="5400000" sx="-80000" sy="-18000" rotWithShape="0">
+              <a:srgbClr val="000000">
+                <a:alpha val="22000"/>
+              </a:srgbClr>
+            </a:outerShdw>
+          </a:effectLst>
+          <a:scene3d>
+            <a:camera prst="orthographicFront"/>
+            <a:lightRig rig="contrasting" dir="t">
+              <a:rot lat="0" lon="0" rev="3000000"/>
+            </a:lightRig>
+          </a:scene3d>
+          <a:sp3d contourW="7620">
+            <a:bevelT w="95250" h="31750"/>
+            <a:contourClr>
+              <a:srgbClr val="333333"/>
+            </a:contourClr>
+          </a:sp3d>
+        </p:spPr>
+      </p:pic>
+      <p:pic>
+        <p:nvPicPr>
+          <p:cNvPr id="1026" name="Picture 2" descr="http://upload.wikimedia.org/wikipedia/en/timeline/e990b9e01adcd29b4b3965c3f32f697c.png"/>
+          <p:cNvPicPr>
+            <a:picLocks noChangeAspect="1" noChangeArrowheads="1"/>
+          </p:cNvPicPr>
+          <p:nvPr/>
+        </p:nvPicPr>
+        <p:blipFill rotWithShape="1">
+          <a:blip r:embed="rId7">
+            <a:extLst>
+              <a:ext uri="{28A0092B-C50C-407E-A947-70E740481C1C}">
+                <a14:useLocalDpi xmlns:a14="http://schemas.microsoft.com/office/drawing/2010/main" val="0"/>
+              </a:ext>
+            </a:extLst>
+          </a:blip>
+          <a:srcRect t="7978"/>
+          <a:stretch/>
+        </p:blipFill>
+        <p:spPr bwMode="auto">
+          <a:xfrm>
+            <a:off x="3388094" y="2931656"/>
+            <a:ext cx="5452561" cy="1672521"/>
+          </a:xfrm>
+          <a:prstGeom prst="rect">
+            <a:avLst/>
+          </a:prstGeom>
+          <a:noFill/>
+          <a:extLst>
+            <a:ext uri="{909E8E84-426E-40DD-AFC4-6F175D3DCCD1}">
+              <a14:hiddenFill xmlns:a14="http://schemas.microsoft.com/office/drawing/2010/main">
+                <a:solidFill>
+                  <a:srgbClr val="FFFFFF"/>
                 </a:solidFill>
               </a14:hiddenFill>
             </a:ext>
@@ -8385,7 +8101,7 @@
       </p:grpSpPr>
       <p:sp>
         <p:nvSpPr>
-          <p:cNvPr id="5" name="Title 4"/>
+          <p:cNvPr id="6" name="Title 5"/>
           <p:cNvSpPr>
             <a:spLocks noGrp="1"/>
           </p:cNvSpPr>
@@ -8402,199 +8118,17 @@
               <a:rPr lang="en-US" dirty="0"/>
               <a:t>User Agent Strings</a:t>
             </a:r>
-            <a:endParaRPr lang="bg-BG" dirty="0"/>
           </a:p>
         </p:txBody>
       </p:sp>
       <p:sp>
         <p:nvSpPr>
-          <p:cNvPr id="6" name="Content Placeholder 5"/>
+          <p:cNvPr id="5" name="Slide Number Placeholder 4"/>
           <p:cNvSpPr>
             <a:spLocks noGrp="1"/>
           </p:cNvSpPr>
           <p:nvPr>
-            <p:ph idx="1"/>
-          </p:nvPr>
-        </p:nvSpPr>
-        <p:spPr>
-          <a:xfrm>
-            <a:off x="228600" y="914400"/>
-            <a:ext cx="8686800" cy="5809283"/>
-          </a:xfrm>
-        </p:spPr>
-        <p:txBody>
-          <a:bodyPr/>
-          <a:lstStyle/>
-          <a:p>
-            <a:pPr>
-              <a:lnSpc>
-                <a:spcPts val="3300"/>
-              </a:lnSpc>
-            </a:pPr>
-            <a:r>
-              <a:rPr lang="en-US" dirty="0"/>
-              <a:t>Identify web browsers and their version</a:t>
-            </a:r>
-          </a:p>
-          <a:p>
-            <a:pPr>
-              <a:lnSpc>
-                <a:spcPts val="3300"/>
-              </a:lnSpc>
-            </a:pPr>
-            <a:r>
-              <a:rPr lang="en-US" dirty="0"/>
-              <a:t>Can have some additional information like layout engine, user's operating system, etc</a:t>
-            </a:r>
-            <a:r>
-              <a:rPr lang="en-US" dirty="0" smtClean="0"/>
-              <a:t>.</a:t>
-            </a:r>
-          </a:p>
-          <a:p>
-            <a:pPr>
-              <a:lnSpc>
-                <a:spcPts val="3300"/>
-              </a:lnSpc>
-            </a:pPr>
-            <a:r>
-              <a:rPr lang="en-US" dirty="0" smtClean="0"/>
-              <a:t>Example:</a:t>
-            </a:r>
-          </a:p>
-          <a:p>
-            <a:pPr>
-              <a:lnSpc>
-                <a:spcPts val="3300"/>
-              </a:lnSpc>
-            </a:pPr>
-            <a:endParaRPr lang="en-US" dirty="0"/>
-          </a:p>
-          <a:p>
-            <a:pPr>
-              <a:lnSpc>
-                <a:spcPts val="3300"/>
-              </a:lnSpc>
-            </a:pPr>
-            <a:endParaRPr lang="en-US" dirty="0" smtClean="0"/>
-          </a:p>
-          <a:p>
-            <a:pPr lvl="1">
-              <a:lnSpc>
-                <a:spcPts val="3300"/>
-              </a:lnSpc>
-            </a:pPr>
-            <a:r>
-              <a:rPr lang="en-US" dirty="0" smtClean="0"/>
-              <a:t>Web browser: Firefox 7.0.1</a:t>
-            </a:r>
-          </a:p>
-          <a:p>
-            <a:pPr lvl="1">
-              <a:lnSpc>
-                <a:spcPts val="3300"/>
-              </a:lnSpc>
-            </a:pPr>
-            <a:r>
-              <a:rPr lang="en-US" dirty="0" smtClean="0"/>
-              <a:t>Rendering (layout) engine</a:t>
-            </a:r>
-            <a:r>
-              <a:rPr lang="en-US" dirty="0"/>
-              <a:t>: </a:t>
-            </a:r>
-            <a:r>
-              <a:rPr lang="en-US" dirty="0" smtClean="0"/>
-              <a:t>Gecko/20100101</a:t>
-            </a:r>
-          </a:p>
-          <a:p>
-            <a:pPr lvl="1">
-              <a:lnSpc>
-                <a:spcPts val="3300"/>
-              </a:lnSpc>
-            </a:pPr>
-            <a:r>
-              <a:rPr lang="en-US" dirty="0" smtClean="0"/>
-              <a:t>Operating system: 64-bit Windows 7</a:t>
-            </a:r>
-          </a:p>
-          <a:p>
-            <a:pPr lvl="2">
-              <a:lnSpc>
-                <a:spcPts val="3300"/>
-              </a:lnSpc>
-            </a:pPr>
-            <a:r>
-              <a:rPr lang="en-US" dirty="0" smtClean="0"/>
-              <a:t>WOW64 = </a:t>
-            </a:r>
-            <a:r>
-              <a:rPr lang="en-US" dirty="0"/>
-              <a:t>Windows-On-Windows </a:t>
-            </a:r>
-            <a:r>
-              <a:rPr lang="en-US" dirty="0" smtClean="0"/>
-              <a:t>64-bit</a:t>
-            </a:r>
-          </a:p>
-          <a:p>
-            <a:pPr lvl="2">
-              <a:lnSpc>
-                <a:spcPts val="3300"/>
-              </a:lnSpc>
-            </a:pPr>
-            <a:r>
-              <a:rPr lang="en-US" dirty="0"/>
-              <a:t>Windows NT </a:t>
-            </a:r>
-            <a:r>
-              <a:rPr lang="en-US" dirty="0" smtClean="0"/>
-              <a:t>6.1 = Windows 7</a:t>
-            </a:r>
-            <a:endParaRPr lang="en-US" dirty="0"/>
-          </a:p>
-        </p:txBody>
-      </p:sp>
-      <p:sp>
-        <p:nvSpPr>
-          <p:cNvPr id="7" name="Text Placeholder 6"/>
-          <p:cNvSpPr>
-            <a:spLocks noGrp="1"/>
-          </p:cNvSpPr>
-          <p:nvPr>
-            <p:ph type="body" sz="quarter" idx="10"/>
-          </p:nvPr>
-        </p:nvSpPr>
-        <p:spPr>
-          <a:xfrm>
-            <a:off x="533400" y="2990850"/>
-            <a:ext cx="8153400" cy="707886"/>
-          </a:xfrm>
-        </p:spPr>
-        <p:txBody>
-          <a:bodyPr/>
-          <a:lstStyle/>
-          <a:p>
-            <a:r>
-              <a:rPr lang="en-US" dirty="0"/>
-              <a:t>Mozilla/5.0 (Windows NT 6.1; WOW64; rv:7.0.1) Gecko/20100101 </a:t>
-            </a:r>
-            <a:r>
-              <a:rPr lang="en-US" dirty="0" smtClean="0"/>
-              <a:t>Firefox/7.0.1</a:t>
-            </a:r>
-          </a:p>
-        </p:txBody>
-      </p:sp>
-      <p:sp>
-        <p:nvSpPr>
-          <p:cNvPr id="4" name="Slide Number Placeholder 3"/>
-          <p:cNvSpPr>
-            <a:spLocks noGrp="1"/>
-          </p:cNvSpPr>
-          <p:nvPr>
-            <p:ph type="sldNum" sz="quarter" idx="11"/>
+            <p:ph type="sldNum" sz="quarter" idx="10"/>
           </p:nvPr>
         </p:nvSpPr>
         <p:spPr/>
@@ -8616,23 +8150,492 @@
           </a:p>
         </p:txBody>
       </p:sp>
+      <p:sp>
+        <p:nvSpPr>
+          <p:cNvPr id="8" name="Content Placeholder 5"/>
+          <p:cNvSpPr>
+            <a:spLocks noGrp="1"/>
+          </p:cNvSpPr>
+          <p:nvPr>
+            <p:ph idx="1"/>
+          </p:nvPr>
+        </p:nvSpPr>
+        <p:spPr>
+          <a:xfrm>
+            <a:off x="228600" y="767758"/>
+            <a:ext cx="8686800" cy="6017032"/>
+          </a:xfrm>
+        </p:spPr>
+        <p:txBody>
+          <a:bodyPr/>
+          <a:lstStyle/>
+          <a:p>
+            <a:pPr>
+              <a:lnSpc>
+                <a:spcPts val="3300"/>
+              </a:lnSpc>
+              <a:spcBef>
+                <a:spcPts val="0"/>
+              </a:spcBef>
+              <a:spcAft>
+                <a:spcPts val="0"/>
+              </a:spcAft>
+            </a:pPr>
+            <a:r>
+              <a:rPr lang="en-US" dirty="0"/>
+              <a:t>Identify web browsers and their </a:t>
+            </a:r>
+            <a:r>
+              <a:rPr lang="en-US" dirty="0" smtClean="0"/>
+              <a:t>version</a:t>
+            </a:r>
+          </a:p>
+          <a:p>
+            <a:pPr lvl="1">
+              <a:lnSpc>
+                <a:spcPts val="3300"/>
+              </a:lnSpc>
+              <a:spcBef>
+                <a:spcPts val="0"/>
+              </a:spcBef>
+              <a:spcAft>
+                <a:spcPts val="0"/>
+              </a:spcAft>
+            </a:pPr>
+            <a:r>
+              <a:rPr lang="en-US" dirty="0" smtClean="0"/>
+              <a:t>History </a:t>
+            </a:r>
+            <a:r>
+              <a:rPr lang="en-US" dirty="0"/>
+              <a:t>of (in)compatibility </a:t>
+            </a:r>
+            <a:r>
+              <a:rPr lang="en-US" dirty="0" smtClean="0"/>
+              <a:t>attempts</a:t>
+            </a:r>
+            <a:r>
+              <a:rPr lang="en-US" dirty="0"/>
+              <a:t> </a:t>
+            </a:r>
+            <a:r>
+              <a:rPr lang="en-US" dirty="0" smtClean="0"/>
+              <a:t>[</a:t>
+            </a:r>
+            <a:r>
+              <a:rPr lang="en-US" dirty="0" smtClean="0">
+                <a:hlinkClick r:id="rId2"/>
+              </a:rPr>
+              <a:t>link</a:t>
+            </a:r>
+            <a:r>
+              <a:rPr lang="en-US" dirty="0" smtClean="0"/>
+              <a:t>]</a:t>
+            </a:r>
+            <a:endParaRPr lang="en-US" dirty="0"/>
+          </a:p>
+          <a:p>
+            <a:pPr>
+              <a:lnSpc>
+                <a:spcPts val="3300"/>
+              </a:lnSpc>
+              <a:spcBef>
+                <a:spcPts val="0"/>
+              </a:spcBef>
+              <a:spcAft>
+                <a:spcPts val="0"/>
+              </a:spcAft>
+            </a:pPr>
+            <a:r>
+              <a:rPr lang="en-US" dirty="0"/>
+              <a:t>Can have some additional information like layout engine, user's operating system, etc</a:t>
+            </a:r>
+            <a:r>
+              <a:rPr lang="en-US" dirty="0" smtClean="0"/>
+              <a:t>.</a:t>
+            </a:r>
+          </a:p>
+          <a:p>
+            <a:pPr>
+              <a:lnSpc>
+                <a:spcPts val="3300"/>
+              </a:lnSpc>
+              <a:spcBef>
+                <a:spcPts val="0"/>
+              </a:spcBef>
+              <a:spcAft>
+                <a:spcPts val="0"/>
+              </a:spcAft>
+            </a:pPr>
+            <a:endParaRPr lang="en-US" dirty="0"/>
+          </a:p>
+          <a:p>
+            <a:pPr>
+              <a:lnSpc>
+                <a:spcPts val="3300"/>
+              </a:lnSpc>
+              <a:spcBef>
+                <a:spcPts val="0"/>
+              </a:spcBef>
+              <a:spcAft>
+                <a:spcPts val="0"/>
+              </a:spcAft>
+            </a:pPr>
+            <a:endParaRPr lang="en-US" dirty="0" smtClean="0"/>
+          </a:p>
+          <a:p>
+            <a:pPr lvl="1">
+              <a:lnSpc>
+                <a:spcPts val="3300"/>
+              </a:lnSpc>
+              <a:spcBef>
+                <a:spcPts val="0"/>
+              </a:spcBef>
+              <a:spcAft>
+                <a:spcPts val="0"/>
+              </a:spcAft>
+            </a:pPr>
+            <a:r>
+              <a:rPr lang="en-US" dirty="0" smtClean="0">
+                <a:solidFill>
+                  <a:schemeClr val="accent5">
+                    <a:lumMod val="40000"/>
+                    <a:lumOff val="60000"/>
+                  </a:schemeClr>
+                </a:solidFill>
+              </a:rPr>
+              <a:t>Mozilla/5.0</a:t>
+            </a:r>
+            <a:r>
+              <a:rPr lang="en-US" dirty="0" smtClean="0"/>
+              <a:t> – a </a:t>
+            </a:r>
+            <a:r>
+              <a:rPr lang="en-US" dirty="0"/>
+              <a:t>generic term which most modern browsers </a:t>
+            </a:r>
+            <a:r>
+              <a:rPr lang="en-US" dirty="0" smtClean="0"/>
+              <a:t>use (originally </a:t>
+            </a:r>
+            <a:r>
+              <a:rPr lang="en-US" dirty="0"/>
+              <a:t>indicated </a:t>
+            </a:r>
+            <a:r>
+              <a:rPr lang="en-US" dirty="0" smtClean="0"/>
+              <a:t>Netscape)</a:t>
+            </a:r>
+          </a:p>
+          <a:p>
+            <a:pPr lvl="1">
+              <a:lnSpc>
+                <a:spcPts val="3300"/>
+              </a:lnSpc>
+              <a:spcBef>
+                <a:spcPts val="0"/>
+              </a:spcBef>
+              <a:spcAft>
+                <a:spcPts val="0"/>
+              </a:spcAft>
+            </a:pPr>
+            <a:r>
+              <a:rPr lang="en-US" dirty="0">
+                <a:solidFill>
+                  <a:schemeClr val="accent5">
+                    <a:lumMod val="40000"/>
+                    <a:lumOff val="60000"/>
+                  </a:schemeClr>
+                </a:solidFill>
+              </a:rPr>
+              <a:t>Windows NT </a:t>
+            </a:r>
+            <a:r>
+              <a:rPr lang="en-US" dirty="0" smtClean="0">
+                <a:solidFill>
+                  <a:schemeClr val="accent5">
+                    <a:lumMod val="40000"/>
+                    <a:lumOff val="60000"/>
+                  </a:schemeClr>
+                </a:solidFill>
+              </a:rPr>
+              <a:t>6.3</a:t>
+            </a:r>
+            <a:r>
+              <a:rPr lang="en-US" dirty="0" smtClean="0"/>
+              <a:t> </a:t>
+            </a:r>
+            <a:r>
+              <a:rPr lang="en-US" dirty="0"/>
+              <a:t>– Windows 8.1</a:t>
+            </a:r>
+          </a:p>
+          <a:p>
+            <a:pPr lvl="1">
+              <a:lnSpc>
+                <a:spcPts val="3300"/>
+              </a:lnSpc>
+              <a:spcBef>
+                <a:spcPts val="0"/>
+              </a:spcBef>
+              <a:spcAft>
+                <a:spcPts val="0"/>
+              </a:spcAft>
+            </a:pPr>
+            <a:r>
+              <a:rPr lang="en-US" dirty="0">
+                <a:solidFill>
+                  <a:schemeClr val="accent5">
+                    <a:lumMod val="40000"/>
+                    <a:lumOff val="60000"/>
+                  </a:schemeClr>
+                </a:solidFill>
+              </a:rPr>
+              <a:t>WOW64</a:t>
+            </a:r>
+            <a:r>
+              <a:rPr lang="en-US" dirty="0"/>
+              <a:t> – Windows-On-Windows </a:t>
+            </a:r>
+            <a:r>
+              <a:rPr lang="en-US" dirty="0" smtClean="0"/>
+              <a:t>64-bit</a:t>
+            </a:r>
+          </a:p>
+          <a:p>
+            <a:pPr lvl="1">
+              <a:lnSpc>
+                <a:spcPts val="3300"/>
+              </a:lnSpc>
+              <a:spcBef>
+                <a:spcPts val="0"/>
+              </a:spcBef>
+              <a:spcAft>
+                <a:spcPts val="0"/>
+              </a:spcAft>
+            </a:pPr>
+            <a:r>
+              <a:rPr lang="en-US" dirty="0" err="1">
+                <a:solidFill>
+                  <a:schemeClr val="accent5">
+                    <a:lumMod val="40000"/>
+                    <a:lumOff val="60000"/>
+                  </a:schemeClr>
+                </a:solidFill>
+              </a:rPr>
+              <a:t>AppleWebKit</a:t>
+            </a:r>
+            <a:r>
+              <a:rPr lang="en-US" dirty="0">
+                <a:solidFill>
+                  <a:schemeClr val="accent5">
+                    <a:lumMod val="40000"/>
+                    <a:lumOff val="60000"/>
+                  </a:schemeClr>
+                </a:solidFill>
+              </a:rPr>
+              <a:t>/537.36</a:t>
+            </a:r>
+            <a:r>
+              <a:rPr lang="en-US" dirty="0" smtClean="0"/>
+              <a:t> – </a:t>
+            </a:r>
+            <a:r>
+              <a:rPr lang="en-US" dirty="0" smtClean="0">
+                <a:hlinkClick r:id="rId3"/>
+              </a:rPr>
+              <a:t>Blink</a:t>
+            </a:r>
+            <a:r>
+              <a:rPr lang="en-US" dirty="0" smtClean="0"/>
+              <a:t> is a fork of </a:t>
+            </a:r>
+            <a:r>
+              <a:rPr lang="en-US" dirty="0" err="1" smtClean="0"/>
+              <a:t>WebKit</a:t>
+            </a:r>
+            <a:endParaRPr lang="en-US" dirty="0" smtClean="0"/>
+          </a:p>
+          <a:p>
+            <a:pPr lvl="2">
+              <a:lnSpc>
+                <a:spcPts val="3300"/>
+              </a:lnSpc>
+              <a:spcBef>
+                <a:spcPts val="0"/>
+              </a:spcBef>
+              <a:spcAft>
+                <a:spcPts val="0"/>
+              </a:spcAft>
+            </a:pPr>
+            <a:r>
+              <a:rPr lang="en-US" dirty="0" smtClean="0"/>
+              <a:t>KHTML is the previous name of </a:t>
+            </a:r>
+            <a:r>
+              <a:rPr lang="en-US" dirty="0" err="1" smtClean="0"/>
+              <a:t>WebKit</a:t>
+            </a:r>
+            <a:endParaRPr lang="en-US" dirty="0" smtClean="0"/>
+          </a:p>
+          <a:p>
+            <a:pPr lvl="1">
+              <a:lnSpc>
+                <a:spcPts val="3300"/>
+              </a:lnSpc>
+              <a:spcBef>
+                <a:spcPts val="0"/>
+              </a:spcBef>
+              <a:spcAft>
+                <a:spcPts val="0"/>
+              </a:spcAft>
+            </a:pPr>
+            <a:r>
+              <a:rPr lang="en-US" dirty="0">
+                <a:solidFill>
+                  <a:schemeClr val="accent5">
+                    <a:lumMod val="40000"/>
+                    <a:lumOff val="60000"/>
+                  </a:schemeClr>
+                </a:solidFill>
+              </a:rPr>
+              <a:t>Chrome/41.0.2272.118</a:t>
+            </a:r>
+            <a:r>
+              <a:rPr lang="en-US" dirty="0"/>
+              <a:t> </a:t>
+            </a:r>
+            <a:r>
+              <a:rPr lang="en-US" dirty="0" smtClean="0"/>
+              <a:t>– real browser version</a:t>
+            </a:r>
+          </a:p>
+          <a:p>
+            <a:pPr lvl="1">
+              <a:lnSpc>
+                <a:spcPts val="3300"/>
+              </a:lnSpc>
+              <a:spcBef>
+                <a:spcPts val="0"/>
+              </a:spcBef>
+              <a:spcAft>
+                <a:spcPts val="0"/>
+              </a:spcAft>
+            </a:pPr>
+            <a:r>
+              <a:rPr lang="en-US" dirty="0">
+                <a:solidFill>
+                  <a:schemeClr val="accent5">
+                    <a:lumMod val="40000"/>
+                    <a:lumOff val="60000"/>
+                  </a:schemeClr>
+                </a:solidFill>
+              </a:rPr>
+              <a:t>Safari/537.36</a:t>
+            </a:r>
+            <a:r>
+              <a:rPr lang="en-US" dirty="0" smtClean="0"/>
+              <a:t> </a:t>
+            </a:r>
+            <a:r>
+              <a:rPr lang="en-US" dirty="0"/>
+              <a:t>– a</a:t>
+            </a:r>
+            <a:r>
+              <a:rPr lang="en-US" dirty="0" smtClean="0"/>
+              <a:t>rtifact </a:t>
+            </a:r>
+            <a:r>
+              <a:rPr lang="en-US" dirty="0"/>
+              <a:t>against scripts sniffing</a:t>
+            </a:r>
+          </a:p>
+        </p:txBody>
+      </p:sp>
+      <p:sp>
+        <p:nvSpPr>
+          <p:cNvPr id="12" name="Rectangle 11"/>
+          <p:cNvSpPr>
+            <a:spLocks noChangeArrowheads="1"/>
+          </p:cNvSpPr>
+          <p:nvPr/>
+        </p:nvSpPr>
+        <p:spPr bwMode="auto">
+          <a:xfrm>
+            <a:off x="672860" y="2599591"/>
+            <a:ext cx="7798279" cy="646331"/>
+          </a:xfrm>
+          <a:prstGeom prst="rect">
+            <a:avLst/>
+          </a:prstGeom>
+          <a:solidFill>
+            <a:schemeClr val="accent5">
+              <a:lumMod val="40000"/>
+              <a:lumOff val="60000"/>
+              <a:alpha val="15000"/>
+            </a:schemeClr>
+          </a:solidFill>
+          <a:ln w="12700">
+            <a:solidFill>
+              <a:schemeClr val="accent5">
+                <a:lumMod val="60000"/>
+                <a:lumOff val="40000"/>
+              </a:schemeClr>
+            </a:solidFill>
+          </a:ln>
+        </p:spPr>
+        <p:txBody>
+          <a:bodyPr wrap="square">
+            <a:spAutoFit/>
+          </a:bodyPr>
+          <a:lstStyle/>
+          <a:p>
+            <a:pPr eaLnBrk="0" hangingPunct="0">
+              <a:lnSpc>
+                <a:spcPct val="90000"/>
+              </a:lnSpc>
+              <a:spcBef>
+                <a:spcPts val="0"/>
+              </a:spcBef>
+              <a:buClr>
+                <a:schemeClr val="accent5">
+                  <a:lumMod val="40000"/>
+                  <a:lumOff val="60000"/>
+                </a:schemeClr>
+              </a:buClr>
+              <a:buSzPct val="70000"/>
+              <a:defRPr/>
+            </a:pPr>
+            <a:r>
+              <a:rPr lang="en-US" sz="2000" b="1" noProof="1">
+                <a:solidFill>
+                  <a:srgbClr val="8CF4F2"/>
+                </a:solidFill>
+                <a:effectLst>
+                  <a:outerShdw blurRad="38100" dist="38100" dir="2700000" algn="tl">
+                    <a:srgbClr val="000000">
+                      <a:alpha val="43137"/>
+                    </a:srgbClr>
+                  </a:outerShdw>
+                </a:effectLst>
+                <a:latin typeface="Consolas" pitchFamily="49" charset="0"/>
+                <a:cs typeface="Consolas" pitchFamily="49" charset="0"/>
+              </a:rPr>
+              <a:t>Mozilla/5.0 (Windows NT 6.3; WOW64) AppleWebKit/537.36 (KHTML, like Gecko) Chrome/41.0.2272.118 Safari/537.36</a:t>
+            </a:r>
+          </a:p>
+        </p:txBody>
+      </p:sp>
     </p:spTree>
     <p:extLst>
       <p:ext uri="{BB962C8B-B14F-4D97-AF65-F5344CB8AC3E}">
-        <p14:creationId xmlns:p14="http://schemas.microsoft.com/office/powerpoint/2010/main" val="180981009"/>
+        <p14:creationId xmlns:p14="http://schemas.microsoft.com/office/powerpoint/2010/main" val="3605965775"/>
       </p:ext>
     </p:extLst>
   </p:cSld>
   <p:clrMapOvr>
     <a:masterClrMapping/>
   </p:clrMapOvr>
-  <p:timing>
-    <p:tnLst>
-      <p:par>
-        <p:cTn id="1" dur="indefinite" restart="never" nodeType="tmRoot"/>
-      </p:par>
-    </p:tnLst>
-  </p:timing>
 </p:sld>
 </file>
 
@@ -8681,43 +8684,6 @@
           </a:p>
         </p:txBody>
       </p:sp>
-      <p:sp>
-        <p:nvSpPr>
-          <p:cNvPr id="4" name="Slide Number Placeholder 3"/>
-          <p:cNvSpPr>
-            <a:spLocks noGrp="1"/>
-          </p:cNvSpPr>
-          <p:nvPr>
-            <p:ph type="sldNum" sz="quarter" idx="4294967295"/>
-          </p:nvPr>
-        </p:nvSpPr>
-        <p:spPr>
-          <a:xfrm>
-            <a:off x="8686800" y="6553200"/>
-            <a:ext cx="457200" cy="228600"/>
-          </a:xfrm>
-          <a:prstGeom prst="rect">
-            <a:avLst/>
-          </a:prstGeom>
-        </p:spPr>
-        <p:txBody>
-          <a:bodyPr/>
-          <a:lstStyle/>
-          <a:p>
-            <a:pPr>
-              <a:defRPr/>
-            </a:pPr>
-            <a:fld id="{58452FF4-89E3-4D1B-9927-2DBDC00E58D7}" type="slidenum">
-              <a:rPr lang="en-US" smtClean="0"/>
-              <a:pPr>
-                <a:defRPr/>
-              </a:pPr>
-              <a:t>12</a:t>
-            </a:fld>
-            <a:endParaRPr lang="en-US" dirty="0"/>
-          </a:p>
-        </p:txBody>
-      </p:sp>
       <p:pic>
         <p:nvPicPr>
           <p:cNvPr id="1026" name="Picture 2"/>
@@ -8727,7 +8693,7 @@
           <p:nvPr/>
         </p:nvPicPr>
         <p:blipFill>
-          <a:blip r:embed="rId2">
+          <a:blip r:embed="rId3">
             <a:extLst>
               <a:ext uri="{28A0092B-C50C-407E-A947-70E740481C1C}">
                 <a14:useLocalDpi xmlns:a14="http://schemas.microsoft.com/office/drawing/2010/main" val="0"/>
@@ -8848,11 +8814,24 @@
             <p:ph idx="1"/>
           </p:nvPr>
         </p:nvSpPr>
-        <p:spPr/>
+        <p:spPr>
+          <a:xfrm>
+            <a:off x="228600" y="741880"/>
+            <a:ext cx="8686800" cy="5791200"/>
+          </a:xfrm>
+        </p:spPr>
         <p:txBody>
           <a:bodyPr/>
           <a:lstStyle/>
           <a:p>
+            <a:pPr>
+              <a:spcBef>
+                <a:spcPts val="300"/>
+              </a:spcBef>
+              <a:spcAft>
+                <a:spcPts val="0"/>
+              </a:spcAft>
+            </a:pPr>
             <a:r>
               <a:rPr lang="en-US" dirty="0" smtClean="0">
                 <a:solidFill>
@@ -8885,19 +8864,57 @@
             </a:r>
           </a:p>
           <a:p>
+            <a:pPr>
+              <a:spcBef>
+                <a:spcPts val="300"/>
+              </a:spcBef>
+              <a:spcAft>
+                <a:spcPts val="0"/>
+              </a:spcAft>
+            </a:pPr>
             <a:r>
               <a:rPr lang="en-US" dirty="0" smtClean="0"/>
               <a:t>Servers are placed in collocation centers</a:t>
             </a:r>
           </a:p>
           <a:p>
+            <a:pPr lvl="1">
+              <a:spcBef>
+                <a:spcPts val="300"/>
+              </a:spcBef>
+              <a:spcAft>
+                <a:spcPts val="0"/>
+              </a:spcAft>
+            </a:pPr>
+            <a:r>
+              <a:rPr lang="en-US" dirty="0"/>
+              <a:t>Colocation facilities provide space, power, cooling, and physical security for the server</a:t>
+            </a:r>
+            <a:endParaRPr lang="en-US" dirty="0" smtClean="0"/>
+          </a:p>
+          <a:p>
+            <a:pPr>
+              <a:spcBef>
+                <a:spcPts val="300"/>
+              </a:spcBef>
+              <a:spcAft>
+                <a:spcPts val="0"/>
+              </a:spcAft>
+            </a:pPr>
             <a:r>
               <a:rPr lang="en-US" dirty="0" smtClean="0"/>
               <a:t>The server may be:</a:t>
             </a:r>
           </a:p>
           <a:p>
-            <a:pPr lvl="1"/>
+            <a:pPr lvl="1">
+              <a:spcBef>
+                <a:spcPts val="300"/>
+              </a:spcBef>
+              <a:spcAft>
+                <a:spcPts val="0"/>
+              </a:spcAft>
+            </a:pPr>
             <a:r>
               <a:rPr lang="en-US" dirty="0"/>
               <a:t>D</a:t>
@@ -8908,7 +8925,14 @@
             </a:r>
           </a:p>
           <a:p>
-            <a:pPr lvl="1"/>
+            <a:pPr lvl="1">
+              <a:spcBef>
+                <a:spcPts val="300"/>
+              </a:spcBef>
+              <a:spcAft>
+                <a:spcPts val="0"/>
+              </a:spcAft>
+            </a:pPr>
             <a:r>
               <a:rPr lang="en-US" dirty="0"/>
               <a:t>F</a:t>
@@ -8919,7 +8943,14 @@
             </a:r>
           </a:p>
           <a:p>
-            <a:pPr lvl="1"/>
+            <a:pPr lvl="1">
+              <a:spcBef>
+                <a:spcPts val="300"/>
+              </a:spcBef>
+              <a:spcAft>
+                <a:spcPts val="0"/>
+              </a:spcAft>
+            </a:pPr>
             <a:r>
               <a:rPr lang="en-US" dirty="0"/>
               <a:t>M</a:t>
@@ -8930,7 +8961,14 @@
             </a:r>
           </a:p>
           <a:p>
-            <a:pPr lvl="1"/>
+            <a:pPr lvl="1">
+              <a:spcBef>
+                <a:spcPts val="300"/>
+              </a:spcBef>
+              <a:spcAft>
+                <a:spcPts val="0"/>
+              </a:spcAft>
+            </a:pPr>
             <a:r>
               <a:rPr lang="en-US" dirty="0"/>
               <a:t>P</a:t>
@@ -8941,14 +8979,18 @@
             </a:r>
           </a:p>
           <a:p>
-            <a:pPr lvl="1"/>
+            <a:pPr lvl="1">
+              <a:spcBef>
+                <a:spcPts val="300"/>
+              </a:spcBef>
+              <a:spcAft>
+                <a:spcPts val="0"/>
+              </a:spcAft>
+            </a:pPr>
             <a:r>
               <a:rPr lang="en-US" dirty="0" smtClean="0"/>
               <a:t>VPS servers</a:t>
             </a:r>
-          </a:p>
-          <a:p>
-            <a:endParaRPr lang="en-US" dirty="0" smtClean="0"/>
           </a:p>
         </p:txBody>
       </p:sp>
@@ -8975,7 +9017,7 @@
         </p:blipFill>
         <p:spPr bwMode="auto">
           <a:xfrm>
-            <a:off x="4953000" y="3219450"/>
+            <a:off x="5032705" y="3580330"/>
             <a:ext cx="2809875" cy="2952750"/>
           </a:xfrm>
           <a:prstGeom prst="rect">
@@ -9012,6 +9054,29 @@
           </a:extLst>
         </p:spPr>
       </p:pic>
+      <p:sp>
+        <p:nvSpPr>
+          <p:cNvPr id="2" name="Slide Number Placeholder 1"/>
+          <p:cNvSpPr>
+            <a:spLocks noGrp="1"/>
+          </p:cNvSpPr>
+          <p:nvPr>
+            <p:ph type="sldNum" sz="quarter" idx="10"/>
+          </p:nvPr>
+        </p:nvSpPr>
+        <p:spPr/>
+        <p:txBody>
+          <a:bodyPr/>
+          <a:lstStyle/>
+          <a:p>
+            <a:fld id="{6E79CB05-2B2C-4DAC-8F8D-2D9019E21771}" type="slidenum">
+              <a:rPr lang="en-US" smtClean="0"/>
+              <a:t>13</a:t>
+            </a:fld>
+            <a:endParaRPr lang="en-US"/>
+          </a:p>
+        </p:txBody>
+      </p:sp>
     </p:spTree>
     <p:extLst>
       <p:ext uri="{BB962C8B-B14F-4D97-AF65-F5344CB8AC3E}">
@@ -9624,8 +9689,8 @@
         </p:nvSpPr>
         <p:spPr>
           <a:xfrm>
-            <a:off x="1828800" y="102834"/>
-            <a:ext cx="7239000" cy="838200"/>
+            <a:off x="1828800" y="102833"/>
+            <a:ext cx="7239000" cy="1078985"/>
           </a:xfrm>
         </p:spPr>
         <p:txBody>
@@ -9636,23 +9701,19 @@
               <a:rPr lang="en-US" dirty="0" smtClean="0"/>
               <a:t>Web Servers Market </a:t>
             </a:r>
-            <a:r>
-              <a:rPr lang="en-US" dirty="0" smtClean="0"/>
-              <a:t/>
-            </a:r>
             <a:br>
               <a:rPr lang="en-US" dirty="0" smtClean="0"/>
             </a:br>
             <a:r>
               <a:rPr lang="en-US" dirty="0" smtClean="0"/>
-              <a:t>Share Feb </a:t>
+              <a:t>Share March </a:t>
             </a:r>
             <a:r>
               <a:rPr lang="en-US" dirty="0" smtClean="0">
                 <a:latin typeface="Consolas" panose="020B0609020204030204" pitchFamily="49" charset="0"/>
                 <a:cs typeface="Consolas" panose="020B0609020204030204" pitchFamily="49" charset="0"/>
               </a:rPr>
-              <a:t>2014</a:t>
+              <a:t>2015</a:t>
             </a:r>
             <a:endParaRPr lang="bg-BG" dirty="0">
               <a:latin typeface="Consolas" panose="020B0609020204030204" pitchFamily="49" charset="0"/>
@@ -9673,8 +9734,8 @@
         </p:nvSpPr>
         <p:spPr>
           <a:xfrm>
-            <a:off x="228600" y="941034"/>
-            <a:ext cx="8686800" cy="5764566"/>
+            <a:off x="228600" y="1181818"/>
+            <a:ext cx="8686800" cy="5523782"/>
           </a:xfrm>
         </p:spPr>
         <p:txBody>
@@ -9685,10 +9746,13 @@
               <a:lnSpc>
                 <a:spcPts val="3400"/>
               </a:lnSpc>
+              <a:spcBef>
+                <a:spcPts val="300"/>
+              </a:spcBef>
             </a:pPr>
             <a:r>
-              <a:rPr lang="en-US" dirty="0" smtClean="0"/>
-              <a:t>Apache</a:t>
+              <a:rPr lang="en-US" dirty="0"/>
+              <a:t>Market share of the top million busiest sites</a:t>
             </a:r>
           </a:p>
           <a:p>
@@ -9696,107 +9760,149 @@
               <a:lnSpc>
                 <a:spcPts val="3400"/>
               </a:lnSpc>
+              <a:spcBef>
+                <a:spcPts val="300"/>
+              </a:spcBef>
             </a:pPr>
             <a:r>
               <a:rPr lang="en-US" dirty="0" smtClean="0"/>
-              <a:t>38.22</a:t>
-            </a:r>
-            <a:r>
-              <a:rPr lang="en-US" dirty="0" smtClean="0"/>
-              <a:t> %</a:t>
-            </a:r>
-            <a:endParaRPr lang="en-US" dirty="0" smtClean="0"/>
+              <a:t>Apache</a:t>
+            </a:r>
+          </a:p>
+          <a:p>
+            <a:pPr lvl="2">
+              <a:lnSpc>
+                <a:spcPts val="3400"/>
+              </a:lnSpc>
+              <a:spcBef>
+                <a:spcPts val="300"/>
+              </a:spcBef>
+            </a:pPr>
+            <a:r>
+              <a:rPr lang="en-US" dirty="0"/>
+              <a:t>49.35%  (</a:t>
+            </a:r>
+            <a:r>
+              <a:rPr lang="en-US" dirty="0" smtClean="0"/>
+              <a:t>493,463)</a:t>
+            </a:r>
+          </a:p>
+          <a:p>
+            <a:pPr lvl="1">
+              <a:lnSpc>
+                <a:spcPts val="3400"/>
+              </a:lnSpc>
+              <a:spcBef>
+                <a:spcPts val="300"/>
+              </a:spcBef>
+            </a:pPr>
+            <a:r>
+              <a:rPr lang="en-US" dirty="0" err="1" smtClean="0"/>
+              <a:t>nginx</a:t>
+            </a:r>
+            <a:endParaRPr lang="en-US" dirty="0"/>
+          </a:p>
+          <a:p>
+            <a:pPr lvl="2">
+              <a:lnSpc>
+                <a:spcPts val="3400"/>
+              </a:lnSpc>
+              <a:spcBef>
+                <a:spcPts val="300"/>
+              </a:spcBef>
+            </a:pPr>
+            <a:r>
+              <a:rPr lang="en-US" dirty="0"/>
+              <a:t>21.22% (</a:t>
+            </a:r>
+            <a:r>
+              <a:rPr lang="en-US" dirty="0" smtClean="0"/>
+              <a:t>212,151)</a:t>
+            </a:r>
+          </a:p>
+          <a:p>
+            <a:pPr lvl="1">
+              <a:lnSpc>
+                <a:spcPts val="3400"/>
+              </a:lnSpc>
+              <a:spcBef>
+                <a:spcPts val="300"/>
+              </a:spcBef>
+            </a:pPr>
+            <a:r>
+              <a:rPr lang="en-US" dirty="0"/>
+              <a:t>IIS (by Microsoft)</a:t>
+            </a:r>
+          </a:p>
+          <a:p>
+            <a:pPr lvl="2">
+              <a:lnSpc>
+                <a:spcPts val="3400"/>
+              </a:lnSpc>
+              <a:spcBef>
+                <a:spcPts val="300"/>
+              </a:spcBef>
+            </a:pPr>
+            <a:r>
+              <a:rPr lang="en-US" dirty="0" smtClean="0"/>
+              <a:t>12.21% </a:t>
+            </a:r>
+            <a:r>
+              <a:rPr lang="en-US" dirty="0"/>
+              <a:t>(</a:t>
+            </a:r>
+            <a:r>
+              <a:rPr lang="en-US" dirty="0" smtClean="0"/>
+              <a:t>122,069)</a:t>
+            </a:r>
+            <a:endParaRPr lang="en-US" dirty="0"/>
+          </a:p>
+          <a:p>
+            <a:pPr lvl="1">
+              <a:lnSpc>
+                <a:spcPts val="3400"/>
+              </a:lnSpc>
+              <a:spcBef>
+                <a:spcPts val="300"/>
+              </a:spcBef>
+            </a:pPr>
+            <a:r>
+              <a:rPr lang="en-US" dirty="0" smtClean="0"/>
+              <a:t>GWS (by Google)</a:t>
+            </a:r>
+          </a:p>
+          <a:p>
+            <a:pPr lvl="2">
+              <a:lnSpc>
+                <a:spcPts val="3400"/>
+              </a:lnSpc>
+              <a:spcBef>
+                <a:spcPts val="300"/>
+              </a:spcBef>
+            </a:pPr>
+            <a:r>
+              <a:rPr lang="en-US" dirty="0"/>
+              <a:t>2.44% (</a:t>
+            </a:r>
+            <a:r>
+              <a:rPr lang="en-US" dirty="0" smtClean="0"/>
+              <a:t>24,434)</a:t>
+            </a:r>
           </a:p>
           <a:p>
             <a:pPr>
               <a:lnSpc>
                 <a:spcPts val="3400"/>
               </a:lnSpc>
+              <a:spcBef>
+                <a:spcPts val="300"/>
+              </a:spcBef>
             </a:pPr>
             <a:r>
-              <a:rPr lang="en-US" dirty="0" smtClean="0"/>
-              <a:t>IIS (</a:t>
-            </a:r>
-            <a:r>
-              <a:rPr lang="en-US" dirty="0"/>
-              <a:t>by </a:t>
-            </a:r>
-            <a:r>
-              <a:rPr lang="en-US" dirty="0" smtClean="0"/>
-              <a:t>Microsoft)</a:t>
-            </a:r>
-          </a:p>
-          <a:p>
-            <a:pPr lvl="1">
-              <a:lnSpc>
-                <a:spcPts val="3400"/>
-              </a:lnSpc>
-            </a:pPr>
-            <a:r>
-              <a:rPr lang="en-US" dirty="0" smtClean="0"/>
-              <a:t>32.80%</a:t>
-            </a:r>
-            <a:endParaRPr lang="en-US" dirty="0" smtClean="0"/>
-          </a:p>
-          <a:p>
-            <a:pPr>
-              <a:lnSpc>
-                <a:spcPts val="3400"/>
-              </a:lnSpc>
-            </a:pPr>
-            <a:r>
-              <a:rPr lang="en-US" dirty="0" err="1" smtClean="0"/>
-              <a:t>nginx</a:t>
-            </a:r>
-            <a:r>
-              <a:rPr lang="en-US" dirty="0"/>
-              <a:t> </a:t>
-            </a:r>
-            <a:r>
-              <a:rPr lang="en-US" dirty="0" smtClean="0"/>
-              <a:t>(by Igor </a:t>
-            </a:r>
-            <a:r>
-              <a:rPr lang="en-US" dirty="0" err="1" smtClean="0"/>
-              <a:t>Sysoev</a:t>
-            </a:r>
-            <a:r>
-              <a:rPr lang="en-US" dirty="0" smtClean="0"/>
-              <a:t>)</a:t>
-            </a:r>
-          </a:p>
-          <a:p>
-            <a:pPr lvl="1">
-              <a:lnSpc>
-                <a:spcPts val="3400"/>
-              </a:lnSpc>
-            </a:pPr>
-            <a:r>
-              <a:rPr lang="en-US" dirty="0" smtClean="0"/>
-              <a:t>15.00%</a:t>
-            </a:r>
-            <a:endParaRPr lang="en-US" dirty="0" smtClean="0"/>
-          </a:p>
-          <a:p>
-            <a:pPr>
-              <a:lnSpc>
-                <a:spcPts val="3400"/>
-              </a:lnSpc>
-            </a:pPr>
-            <a:r>
-              <a:rPr lang="en-US" dirty="0" smtClean="0"/>
-              <a:t>GWS (by Google)</a:t>
-            </a:r>
-          </a:p>
-          <a:p>
-            <a:pPr lvl="1">
-              <a:lnSpc>
-                <a:spcPts val="3400"/>
-              </a:lnSpc>
-            </a:pPr>
-            <a:r>
-              <a:rPr lang="en-US" dirty="0" smtClean="0"/>
-              <a:t>2.30%</a:t>
+              <a:rPr lang="en-US" dirty="0" smtClean="0">
+                <a:hlinkClick r:id="rId2"/>
+              </a:rPr>
+              <a:t>Source</a:t>
             </a:r>
             <a:endParaRPr lang="en-US" dirty="0" smtClean="0"/>
           </a:p>
@@ -9840,7 +9946,7 @@
           <p:nvPr/>
         </p:nvPicPr>
         <p:blipFill>
-          <a:blip r:embed="rId2">
+          <a:blip r:embed="rId3">
             <a:extLst>
               <a:ext uri="{28A0092B-C50C-407E-A947-70E740481C1C}">
                 <a14:useLocalDpi xmlns:a14="http://schemas.microsoft.com/office/drawing/2010/main" val="0"/>
@@ -9854,7 +9960,7 @@
         </p:blipFill>
         <p:spPr bwMode="auto">
           <a:xfrm>
-            <a:off x="4724400" y="1524000"/>
+            <a:off x="4827917" y="2024333"/>
             <a:ext cx="3888637" cy="4105185"/>
           </a:xfrm>
           <a:prstGeom prst="rect">
@@ -11881,7 +11987,7 @@
         </p:nvSpPr>
         <p:spPr>
           <a:xfrm>
-            <a:off x="228600" y="990600"/>
+            <a:off x="228600" y="904340"/>
             <a:ext cx="8686800" cy="5638800"/>
           </a:xfrm>
         </p:spPr>
@@ -15325,43 +15431,6 @@
           </a:p>
         </p:txBody>
       </p:sp>
-      <p:sp>
-        <p:nvSpPr>
-          <p:cNvPr id="4" name="Slide Number Placeholder 3"/>
-          <p:cNvSpPr>
-            <a:spLocks noGrp="1"/>
-          </p:cNvSpPr>
-          <p:nvPr>
-            <p:ph type="sldNum" sz="quarter" idx="4294967295"/>
-          </p:nvPr>
-        </p:nvSpPr>
-        <p:spPr>
-          <a:xfrm>
-            <a:off x="8686800" y="6553200"/>
-            <a:ext cx="457200" cy="228600"/>
-          </a:xfrm>
-          <a:prstGeom prst="rect">
-            <a:avLst/>
-          </a:prstGeom>
-        </p:spPr>
-        <p:txBody>
-          <a:bodyPr/>
-          <a:lstStyle/>
-          <a:p>
-            <a:pPr>
-              <a:defRPr/>
-            </a:pPr>
-            <a:fld id="{58452FF4-89E3-4D1B-9927-2DBDC00E58D7}" type="slidenum">
-              <a:rPr lang="en-US" smtClean="0"/>
-              <a:pPr>
-                <a:defRPr/>
-              </a:pPr>
-              <a:t>3</a:t>
-            </a:fld>
-            <a:endParaRPr lang="en-US" dirty="0"/>
-          </a:p>
-        </p:txBody>
-      </p:sp>
       <p:pic>
         <p:nvPicPr>
           <p:cNvPr id="1026" name="Picture 2"/>
@@ -15658,7 +15727,7 @@
         </p:nvSpPr>
         <p:spPr>
           <a:xfrm>
-            <a:off x="1828800" y="152400"/>
+            <a:off x="1828800" y="109270"/>
             <a:ext cx="7086600" cy="914400"/>
           </a:xfrm>
         </p:spPr>
@@ -16342,7 +16411,7 @@
         </p:nvSpPr>
         <p:spPr>
           <a:xfrm>
-            <a:off x="6158093" y="6452660"/>
+            <a:off x="6201223" y="6452660"/>
             <a:ext cx="2909707" cy="369332"/>
           </a:xfrm>
           <a:prstGeom prst="rect">
@@ -16377,6 +16446,498 @@
     <a:masterClrMapping/>
   </p:clrMapOvr>
   <p:transition/>
+  <p:timing>
+    <p:tnLst>
+      <p:par>
+        <p:cTn id="1" dur="indefinite" restart="never" nodeType="tmRoot"/>
+      </p:par>
+    </p:tnLst>
+  </p:timing>
+</p:sld>
+</file>
+
+<file path=ppt/slides/slide32.xml><?xml version="1.0" encoding="utf-8"?>
+<p:sld xmlns:a="http://schemas.openxmlformats.org/drawingml/2006/main" xmlns:r="http://schemas.openxmlformats.org/officeDocument/2006/relationships" xmlns:p="http://schemas.openxmlformats.org/presentationml/2006/main">
+  <p:cSld>
+    <p:spTree>
+      <p:nvGrpSpPr>
+        <p:cNvPr id="1" name=""/>
+        <p:cNvGrpSpPr/>
+        <p:nvPr/>
+      </p:nvGrpSpPr>
+      <p:grpSpPr>
+        <a:xfrm>
+          <a:off x="0" y="0"/>
+          <a:ext cx="0" cy="0"/>
+          <a:chOff x="0" y="0"/>
+          <a:chExt cx="0" cy="0"/>
+        </a:xfrm>
+      </p:grpSpPr>
+      <p:sp>
+        <p:nvSpPr>
+          <p:cNvPr id="3" name="Title 2"/>
+          <p:cNvSpPr>
+            <a:spLocks noGrp="1"/>
+          </p:cNvSpPr>
+          <p:nvPr>
+            <p:ph type="title"/>
+          </p:nvPr>
+        </p:nvSpPr>
+        <p:spPr>
+          <a:prstGeom prst="rect">
+            <a:avLst/>
+          </a:prstGeom>
+        </p:spPr>
+        <p:txBody>
+          <a:bodyPr/>
+          <a:lstStyle/>
+          <a:p>
+            <a:r>
+              <a:rPr lang="en-US" sz="3600" dirty="0" smtClean="0"/>
+              <a:t>Free Trainings @ Telerik Academy</a:t>
+            </a:r>
+            <a:endParaRPr lang="en-US" sz="3600" dirty="0"/>
+          </a:p>
+        </p:txBody>
+      </p:sp>
+      <p:sp>
+        <p:nvSpPr>
+          <p:cNvPr id="4" name="Content Placeholder 3"/>
+          <p:cNvSpPr>
+            <a:spLocks noGrp="1"/>
+          </p:cNvSpPr>
+          <p:nvPr>
+            <p:ph idx="1"/>
+          </p:nvPr>
+        </p:nvSpPr>
+        <p:spPr/>
+        <p:txBody>
+          <a:bodyPr/>
+          <a:lstStyle/>
+          <a:p>
+            <a:r>
+              <a:rPr lang="en-US" dirty="0" smtClean="0"/>
+              <a:t>"Web Design with HTML</a:t>
+            </a:r>
+            <a:r>
+              <a:rPr lang="en-US" dirty="0" smtClean="0">
+                <a:latin typeface="Consolas" pitchFamily="49" charset="0"/>
+                <a:cs typeface="Consolas" pitchFamily="49" charset="0"/>
+              </a:rPr>
+              <a:t>5</a:t>
+            </a:r>
+            <a:r>
+              <a:rPr lang="en-US" dirty="0" smtClean="0"/>
+              <a:t>, CSS</a:t>
+            </a:r>
+            <a:r>
+              <a:rPr lang="en-US" dirty="0" smtClean="0">
+                <a:latin typeface="Consolas" pitchFamily="49" charset="0"/>
+                <a:cs typeface="Consolas" pitchFamily="49" charset="0"/>
+              </a:rPr>
+              <a:t>3</a:t>
+            </a:r>
+            <a:r>
+              <a:rPr lang="en-US" dirty="0" smtClean="0"/>
+              <a:t> and JavaScript" course @ Telerik Academy</a:t>
+            </a:r>
+          </a:p>
+          <a:p>
+            <a:pPr marL="574675" lvl="2" indent="-282575">
+              <a:buClr>
+                <a:schemeClr val="accent5">
+                  <a:lumMod val="40000"/>
+                  <a:lumOff val="60000"/>
+                </a:schemeClr>
+              </a:buClr>
+              <a:buSzPct val="70000"/>
+              <a:buFont typeface="Wingdings 2" pitchFamily="18" charset="2"/>
+              <a:buChar char=""/>
+              <a:tabLst>
+                <a:tab pos="282575" algn="l"/>
+              </a:tabLst>
+            </a:pPr>
+            <a:r>
+              <a:rPr lang="en-US" noProof="1" smtClean="0">
+                <a:hlinkClick r:id="rId3" tooltip="&quot;Web Design with HTML 5, CSS 3 and JavaScript&quot; course @ Telerik Academy"/>
+              </a:rPr>
+              <a:t>html5course.telerik.com</a:t>
+            </a:r>
+            <a:endParaRPr lang="en-US" noProof="1" smtClean="0"/>
+          </a:p>
+          <a:p>
+            <a:pPr marL="282575" lvl="1" indent="-282575">
+              <a:spcBef>
+                <a:spcPts val="1200"/>
+              </a:spcBef>
+              <a:buClr>
+                <a:schemeClr val="accent5">
+                  <a:lumMod val="40000"/>
+                  <a:lumOff val="60000"/>
+                </a:schemeClr>
+              </a:buClr>
+              <a:buSzPct val="70000"/>
+              <a:buFont typeface="Wingdings 2" pitchFamily="18" charset="2"/>
+              <a:buChar char=""/>
+              <a:tabLst>
+                <a:tab pos="282575" algn="l"/>
+              </a:tabLst>
+            </a:pPr>
+            <a:r>
+              <a:rPr lang="en-US" dirty="0" smtClean="0"/>
+              <a:t>Telerik Software Academy</a:t>
+            </a:r>
+          </a:p>
+          <a:p>
+            <a:pPr marL="574675" lvl="2" indent="-282575">
+              <a:buClr>
+                <a:schemeClr val="accent5">
+                  <a:lumMod val="40000"/>
+                  <a:lumOff val="60000"/>
+                </a:schemeClr>
+              </a:buClr>
+              <a:buSzPct val="70000"/>
+              <a:buFont typeface="Wingdings 2" pitchFamily="18" charset="2"/>
+              <a:buChar char=""/>
+              <a:tabLst>
+                <a:tab pos="282575" algn="l"/>
+              </a:tabLst>
+            </a:pPr>
+            <a:r>
+              <a:rPr lang="en-US" noProof="1" smtClean="0">
+                <a:hlinkClick r:id="rId4" tooltip="Telerik Software Academy - Free Programming Courses"/>
+              </a:rPr>
+              <a:t>academy.telerik.com</a:t>
+            </a:r>
+            <a:endParaRPr lang="en-US" noProof="1" smtClean="0"/>
+          </a:p>
+          <a:p>
+            <a:pPr marL="282575" lvl="1" indent="-282575">
+              <a:spcBef>
+                <a:spcPts val="1200"/>
+              </a:spcBef>
+              <a:buClr>
+                <a:schemeClr val="accent5">
+                  <a:lumMod val="40000"/>
+                  <a:lumOff val="60000"/>
+                </a:schemeClr>
+              </a:buClr>
+              <a:buSzPct val="70000"/>
+              <a:buFont typeface="Wingdings 2" pitchFamily="18" charset="2"/>
+              <a:buChar char=""/>
+              <a:tabLst>
+                <a:tab pos="282575" algn="l"/>
+              </a:tabLst>
+            </a:pPr>
+            <a:r>
+              <a:rPr lang="en-US" dirty="0" smtClean="0"/>
+              <a:t>Telerik Academy @ Facebook</a:t>
+            </a:r>
+          </a:p>
+          <a:p>
+            <a:pPr marL="574675" lvl="2" indent="-282575">
+              <a:buClr>
+                <a:schemeClr val="accent5">
+                  <a:lumMod val="40000"/>
+                  <a:lumOff val="60000"/>
+                </a:schemeClr>
+              </a:buClr>
+              <a:buSzPct val="70000"/>
+              <a:buFont typeface="Wingdings 2" pitchFamily="18" charset="2"/>
+              <a:buChar char=""/>
+              <a:tabLst>
+                <a:tab pos="282575" algn="l"/>
+              </a:tabLst>
+            </a:pPr>
+            <a:r>
+              <a:rPr lang="en-US" noProof="1" smtClean="0">
+                <a:hlinkClick r:id="rId5" tooltip="Telerik Softyware Academy @ Facebook"/>
+              </a:rPr>
+              <a:t>facebook.com/TelerikAcademy</a:t>
+            </a:r>
+            <a:endParaRPr lang="en-US" noProof="1" smtClean="0"/>
+          </a:p>
+          <a:p>
+            <a:pPr marL="282575" lvl="1" indent="-282575">
+              <a:spcBef>
+                <a:spcPts val="1200"/>
+              </a:spcBef>
+              <a:buClr>
+                <a:schemeClr val="accent5">
+                  <a:lumMod val="40000"/>
+                  <a:lumOff val="60000"/>
+                </a:schemeClr>
+              </a:buClr>
+              <a:buSzPct val="70000"/>
+              <a:buFont typeface="Wingdings 2" pitchFamily="18" charset="2"/>
+              <a:buChar char=""/>
+              <a:tabLst>
+                <a:tab pos="282575" algn="l"/>
+              </a:tabLst>
+            </a:pPr>
+            <a:r>
+              <a:rPr lang="en-US" dirty="0" smtClean="0"/>
+              <a:t>Telerik Software Academy Forums</a:t>
+            </a:r>
+          </a:p>
+          <a:p>
+            <a:pPr marL="574675" lvl="2" indent="-282575">
+              <a:buClr>
+                <a:schemeClr val="accent5">
+                  <a:lumMod val="40000"/>
+                  <a:lumOff val="60000"/>
+                </a:schemeClr>
+              </a:buClr>
+              <a:buSzPct val="70000"/>
+              <a:buFont typeface="Wingdings 2" pitchFamily="18" charset="2"/>
+              <a:buChar char=""/>
+              <a:tabLst>
+                <a:tab pos="282575" algn="l"/>
+              </a:tabLst>
+            </a:pPr>
+            <a:r>
+              <a:rPr lang="en-US" noProof="1" smtClean="0">
+                <a:hlinkClick r:id="rId6" tooltip="Telerik Software Academy Forums - Community for Programmers"/>
+              </a:rPr>
+              <a:t>forums.academy.telerik.com</a:t>
+            </a:r>
+            <a:endParaRPr lang="en-US" noProof="1"/>
+          </a:p>
+        </p:txBody>
+      </p:sp>
+      <p:pic>
+        <p:nvPicPr>
+          <p:cNvPr id="5" name="Picture 5">
+            <a:hlinkClick r:id="rId6" tooltip="Telerik Software Academy Forums - Discussion Board for Developers"/>
+          </p:cNvPr>
+          <p:cNvPicPr>
+            <a:picLocks noChangeAspect="1" noChangeArrowheads="1"/>
+          </p:cNvPicPr>
+          <p:nvPr/>
+        </p:nvPicPr>
+        <p:blipFill>
+          <a:blip r:embed="rId7">
+            <a:extLst>
+              <a:ext uri="{28A0092B-C50C-407E-A947-70E740481C1C}">
+                <a14:useLocalDpi xmlns:a14="http://schemas.microsoft.com/office/drawing/2010/main"/>
+              </a:ext>
+            </a:extLst>
+          </a:blip>
+          <a:srcRect/>
+          <a:stretch>
+            <a:fillRect/>
+          </a:stretch>
+        </p:blipFill>
+        <p:spPr bwMode="auto">
+          <a:xfrm>
+            <a:off x="7372349" y="5029200"/>
+            <a:ext cx="1466851" cy="1600200"/>
+          </a:xfrm>
+          <a:prstGeom prst="rect">
+            <a:avLst/>
+          </a:prstGeom>
+          <a:noFill/>
+          <a:ln>
+            <a:noFill/>
+          </a:ln>
+          <a:effectLst/>
+          <a:extLst>
+            <a:ext uri="{909E8E84-426E-40DD-AFC4-6F175D3DCCD1}">
+              <a14:hiddenFill xmlns:a14="http://schemas.microsoft.com/office/drawing/2010/main">
+                <a:solidFill>
+                  <a:schemeClr val="accent1"/>
+                </a:solidFill>
+              </a14:hiddenFill>
+            </a:ext>
+            <a:ext uri="{91240B29-F687-4F45-9708-019B960494DF}">
+              <a14:hiddenLine xmlns:a14="http://schemas.microsoft.com/office/drawing/2010/main" w="9525">
+                <a:solidFill>
+                  <a:schemeClr val="tx1"/>
+                </a:solidFill>
+                <a:miter lim="800000"/>
+                <a:headEnd/>
+                <a:tailEnd/>
+              </a14:hiddenLine>
+            </a:ext>
+            <a:ext uri="{AF507438-7753-43E0-B8FC-AC1667EBCBE1}">
+              <a14:hiddenEffects xmlns:a14="http://schemas.microsoft.com/office/drawing/2010/main">
+                <a:effectLst>
+                  <a:outerShdw dist="35921" dir="2700000" algn="ctr" rotWithShape="0">
+                    <a:schemeClr val="bg2"/>
+                  </a:outerShdw>
+                </a:effectLst>
+              </a14:hiddenEffects>
+            </a:ext>
+          </a:extLst>
+        </p:spPr>
+      </p:pic>
+      <p:pic>
+        <p:nvPicPr>
+          <p:cNvPr id="1028" name="Picture 4">
+            <a:hlinkClick r:id="rId4" tooltip="Telerik Software Academy"/>
+          </p:cNvPr>
+          <p:cNvPicPr>
+            <a:picLocks noChangeAspect="1" noChangeArrowheads="1"/>
+          </p:cNvPicPr>
+          <p:nvPr/>
+        </p:nvPicPr>
+        <p:blipFill>
+          <a:blip r:embed="rId8">
+            <a:extLst>
+              <a:ext uri="{28A0092B-C50C-407E-A947-70E740481C1C}">
+                <a14:useLocalDpi xmlns:a14="http://schemas.microsoft.com/office/drawing/2010/main"/>
+              </a:ext>
+            </a:extLst>
+          </a:blip>
+          <a:srcRect/>
+          <a:stretch>
+            <a:fillRect/>
+          </a:stretch>
+        </p:blipFill>
+        <p:spPr bwMode="auto">
+          <a:xfrm>
+            <a:off x="5548941" y="2969616"/>
+            <a:ext cx="3137859" cy="918234"/>
+          </a:xfrm>
+          <a:prstGeom prst="rect">
+            <a:avLst/>
+          </a:prstGeom>
+          <a:noFill/>
+          <a:ln>
+            <a:solidFill>
+              <a:srgbClr val="9BCC00"/>
+            </a:solidFill>
+          </a:ln>
+          <a:extLst>
+            <a:ext uri="{909E8E84-426E-40DD-AFC4-6F175D3DCCD1}">
+              <a14:hiddenFill xmlns:a14="http://schemas.microsoft.com/office/drawing/2010/main">
+                <a:solidFill>
+                  <a:srgbClr val="FFFFFF"/>
+                </a:solidFill>
+              </a14:hiddenFill>
+            </a:ext>
+          </a:extLst>
+        </p:spPr>
+      </p:pic>
+      <p:pic>
+        <p:nvPicPr>
+          <p:cNvPr id="1037" name="Picture 13">
+            <a:hlinkClick r:id="rId9" tooltip="Telerik Academy @ Facebook"/>
+          </p:cNvPr>
+          <p:cNvPicPr>
+            <a:picLocks noChangeAspect="1" noChangeArrowheads="1"/>
+          </p:cNvPicPr>
+          <p:nvPr/>
+        </p:nvPicPr>
+        <p:blipFill>
+          <a:blip r:embed="rId10">
+            <a:extLst>
+              <a:ext uri="{28A0092B-C50C-407E-A947-70E740481C1C}">
+                <a14:useLocalDpi xmlns:a14="http://schemas.microsoft.com/office/drawing/2010/main"/>
+              </a:ext>
+            </a:extLst>
+          </a:blip>
+          <a:srcRect/>
+          <a:stretch>
+            <a:fillRect/>
+          </a:stretch>
+        </p:blipFill>
+        <p:spPr bwMode="auto">
+          <a:xfrm>
+            <a:off x="6182100" y="4228275"/>
+            <a:ext cx="938213" cy="938213"/>
+          </a:xfrm>
+          <a:prstGeom prst="rect">
+            <a:avLst/>
+          </a:prstGeom>
+          <a:noFill/>
+          <a:ln>
+            <a:noFill/>
+          </a:ln>
+          <a:effectLst/>
+          <a:extLst>
+            <a:ext uri="{909E8E84-426E-40DD-AFC4-6F175D3DCCD1}">
+              <a14:hiddenFill xmlns:a14="http://schemas.microsoft.com/office/drawing/2010/main">
+                <a:solidFill>
+                  <a:schemeClr val="accent1"/>
+                </a:solidFill>
+              </a14:hiddenFill>
+            </a:ext>
+            <a:ext uri="{91240B29-F687-4F45-9708-019B960494DF}">
+              <a14:hiddenLine xmlns:a14="http://schemas.microsoft.com/office/drawing/2010/main" w="9525">
+                <a:solidFill>
+                  <a:schemeClr val="tx1"/>
+                </a:solidFill>
+                <a:miter lim="800000"/>
+                <a:headEnd/>
+                <a:tailEnd/>
+              </a14:hiddenLine>
+            </a:ext>
+            <a:ext uri="{AF507438-7753-43E0-B8FC-AC1667EBCBE1}">
+              <a14:hiddenEffects xmlns:a14="http://schemas.microsoft.com/office/drawing/2010/main">
+                <a:effectLst>
+                  <a:outerShdw dist="35921" dir="2700000" algn="ctr" rotWithShape="0">
+                    <a:schemeClr val="bg2"/>
+                  </a:outerShdw>
+                </a:effectLst>
+              </a14:hiddenEffects>
+            </a:ext>
+          </a:extLst>
+        </p:spPr>
+      </p:pic>
+      <p:pic>
+        <p:nvPicPr>
+          <p:cNvPr id="1026" name="Picture 2">
+            <a:hlinkClick r:id="rId3" tooltip="&quot;Web Design with HTML 5, CSS 3 and JavaScript&quot; course @ Telerik Academy"/>
+          </p:cNvPr>
+          <p:cNvPicPr>
+            <a:picLocks noChangeAspect="1" noChangeArrowheads="1"/>
+          </p:cNvPicPr>
+          <p:nvPr/>
+        </p:nvPicPr>
+        <p:blipFill>
+          <a:blip r:embed="rId11" cstate="screen">
+            <a:extLst>
+              <a:ext uri="{28A0092B-C50C-407E-A947-70E740481C1C}">
+                <a14:useLocalDpi xmlns:a14="http://schemas.microsoft.com/office/drawing/2010/main"/>
+              </a:ext>
+            </a:extLst>
+          </a:blip>
+          <a:srcRect/>
+          <a:stretch>
+            <a:fillRect/>
+          </a:stretch>
+        </p:blipFill>
+        <p:spPr bwMode="auto">
+          <a:xfrm>
+            <a:off x="7372349" y="1026915"/>
+            <a:ext cx="1314452" cy="1046693"/>
+          </a:xfrm>
+          <a:prstGeom prst="rect">
+            <a:avLst/>
+          </a:prstGeom>
+          <a:noFill/>
+          <a:extLst>
+            <a:ext uri="{909E8E84-426E-40DD-AFC4-6F175D3DCCD1}">
+              <a14:hiddenFill xmlns:a14="http://schemas.microsoft.com/office/drawing/2010/main">
+                <a:solidFill>
+                  <a:srgbClr val="FFFFFF"/>
+                </a:solidFill>
+              </a14:hiddenFill>
+            </a:ext>
+          </a:extLst>
+        </p:spPr>
+      </p:pic>
+    </p:spTree>
+    <p:extLst>
+      <p:ext uri="{BB962C8B-B14F-4D97-AF65-F5344CB8AC3E}">
+        <p14:creationId xmlns:p14="http://schemas.microsoft.com/office/powerpoint/2010/main" val="143633325"/>
+      </p:ext>
+    </p:extLst>
+  </p:cSld>
+  <p:clrMapOvr>
+    <a:masterClrMapping/>
+  </p:clrMapOvr>
   <p:timing>
     <p:tnLst>
       <p:par>
@@ -17495,43 +18056,6 @@
           </a:extLst>
         </p:spPr>
       </p:pic>
-      <p:sp>
-        <p:nvSpPr>
-          <p:cNvPr id="12" name="Slide Number Placeholder 3"/>
-          <p:cNvSpPr txBox="1">
-            <a:spLocks/>
-          </p:cNvSpPr>
-          <p:nvPr/>
-        </p:nvSpPr>
-        <p:spPr>
-          <a:xfrm>
-            <a:off x="8610600" y="6553200"/>
-            <a:ext cx="457200" cy="228600"/>
-          </a:xfrm>
-          <a:prstGeom prst="rect">
-            <a:avLst/>
-          </a:prstGeom>
-        </p:spPr>
-        <p:txBody>
-          <a:bodyPr anchor="ctr" anchorCtr="0"/>
-          <a:lstStyle>
-            <a:defPPr>
-              <a:defRPr lang="en-US"/>
-            </a:defPPr>
-            <a:lvl1pPr algn="r">
-              <a:defRPr sz="1100"/>
-            </a:lvl1pPr>
-          </a:lstStyle>
-          <a:p>
-            <a:fld id="{58452FF4-89E3-4D1B-9927-2DBDC00E58D7}" type="slidenum">
-              <a:rPr lang="en-US"/>
-              <a:pPr/>
-              <a:t>7</a:t>
-            </a:fld>
-            <a:endParaRPr lang="en-US" dirty="0"/>
-          </a:p>
-        </p:txBody>
-      </p:sp>
     </p:spTree>
     <p:extLst>
       <p:ext uri="{BB962C8B-B14F-4D97-AF65-F5344CB8AC3E}">
@@ -17604,7 +18128,7 @@
         </p:nvSpPr>
         <p:spPr>
           <a:xfrm>
-            <a:off x="228600" y="1066800"/>
+            <a:off x="228600" y="920158"/>
             <a:ext cx="8686800" cy="5638800"/>
           </a:xfrm>
         </p:spPr>
@@ -17633,17 +18157,12 @@
             </a:r>
             <a:r>
               <a:rPr lang="en-US" dirty="0"/>
-              <a:t>and other </a:t>
-            </a:r>
-            <a:r>
-              <a:rPr lang="en-US"/>
-              <a:t>resources </a:t>
-            </a:r>
-            <a:r>
-              <a:rPr lang="en-US" smtClean="0"/>
+              <a:t>and other resources </a:t>
+            </a:r>
+            <a:r>
+              <a:rPr lang="en-US" dirty="0" smtClean="0"/>
               <a:t>from the Web</a:t>
             </a:r>
-            <a:endParaRPr lang="en-US" dirty="0" smtClean="0"/>
           </a:p>
           <a:p>
             <a:r>
@@ -17812,7 +18331,7 @@
         </p:nvSpPr>
         <p:spPr>
           <a:xfrm>
-            <a:off x="228600" y="762000"/>
+            <a:off x="228600" y="718870"/>
             <a:ext cx="8686800" cy="6019800"/>
           </a:xfrm>
         </p:spPr>
@@ -17824,6 +18343,12 @@
               <a:lnSpc>
                 <a:spcPct val="100000"/>
               </a:lnSpc>
+              <a:spcBef>
+                <a:spcPts val="300"/>
+              </a:spcBef>
+              <a:spcAft>
+                <a:spcPts val="0"/>
+              </a:spcAft>
             </a:pPr>
             <a:r>
               <a:rPr lang="en-US" dirty="0" smtClean="0"/>
@@ -17858,6 +18383,12 @@
               <a:lnSpc>
                 <a:spcPct val="100000"/>
               </a:lnSpc>
+              <a:spcBef>
+                <a:spcPts val="300"/>
+              </a:spcBef>
+              <a:spcAft>
+                <a:spcPts val="0"/>
+              </a:spcAft>
             </a:pPr>
             <a:r>
               <a:rPr lang="en-US" dirty="0" smtClean="0"/>
@@ -17877,6 +18408,12 @@
               <a:lnSpc>
                 <a:spcPct val="100000"/>
               </a:lnSpc>
+              <a:spcBef>
+                <a:spcPts val="300"/>
+              </a:spcBef>
+              <a:spcAft>
+                <a:spcPts val="0"/>
+              </a:spcAft>
             </a:pPr>
             <a:r>
               <a:rPr lang="en-US" dirty="0"/>
@@ -17900,6 +18437,12 @@
               <a:lnSpc>
                 <a:spcPct val="100000"/>
               </a:lnSpc>
+              <a:spcBef>
+                <a:spcPts val="300"/>
+              </a:spcBef>
+              <a:spcAft>
+                <a:spcPts val="0"/>
+              </a:spcAft>
             </a:pPr>
             <a:r>
               <a:rPr lang="en-US" dirty="0" smtClean="0"/>
@@ -17919,6 +18462,12 @@
               <a:lnSpc>
                 <a:spcPct val="100000"/>
               </a:lnSpc>
+              <a:spcBef>
+                <a:spcPts val="300"/>
+              </a:spcBef>
+              <a:spcAft>
+                <a:spcPts val="0"/>
+              </a:spcAft>
             </a:pPr>
             <a:r>
               <a:rPr lang="en-US" dirty="0" smtClean="0"/>
@@ -17931,6 +18480,25 @@
             <a:r>
               <a:rPr lang="en-US" dirty="0" smtClean="0"/>
               <a:t>content</a:t>
+            </a:r>
+          </a:p>
+          <a:p>
+            <a:pPr>
+              <a:lnSpc>
+                <a:spcPct val="100000"/>
+              </a:lnSpc>
+              <a:spcBef>
+                <a:spcPts val="300"/>
+              </a:spcBef>
+              <a:spcAft>
+                <a:spcPts val="0"/>
+              </a:spcAft>
+            </a:pPr>
+            <a:r>
+              <a:rPr lang="en-US" dirty="0" smtClean="0">
+                <a:hlinkClick r:id="rId2"/>
+              </a:rPr>
+              <a:t>How Browsers Work</a:t>
             </a:r>
             <a:endParaRPr lang="bg-BG" dirty="0"/>
           </a:p>
